--- a/FY21/LDMS_v4_basics_tutorial-github_links.pptx
+++ b/FY21/LDMS_v4_basics_tutorial-github_links.pptx
@@ -42,8 +42,8 @@
     <p:sldId id="267" r:id="rId33"/>
     <p:sldId id="319" r:id="rId34"/>
     <p:sldId id="555" r:id="rId35"/>
-    <p:sldId id="320" r:id="rId36"/>
-    <p:sldId id="321" r:id="rId37"/>
+    <p:sldId id="321" r:id="rId36"/>
+    <p:sldId id="320" r:id="rId37"/>
     <p:sldId id="537" r:id="rId38"/>
     <p:sldId id="538" r:id="rId39"/>
     <p:sldId id="337" r:id="rId40"/>
@@ -238,34 +238,6 @@
 </p:cmAuthorLst>
 </file>
 
-<file path=ppt/comments/comment1.xml><?xml version="1.0" encoding="utf-8"?>
-<p:cmLst xmlns:a="http://schemas.openxmlformats.org/drawingml/2006/main" xmlns:r="http://schemas.openxmlformats.org/officeDocument/2006/relationships" xmlns:p="http://schemas.openxmlformats.org/presentationml/2006/main">
-  <p:cm authorId="22" dt="2020-07-07T13:25:28.893" idx="25">
-    <p:pos x="5439" y="616"/>
-    <p:text>Got rid of the ovis-demo-28/meminfo. Might make it a little more challenging than need be. Also, I don't think it is used again anywhere else in the tutorial</p:text>
-    <p:extLst>
-      <p:ext uri="{C676402C-5697-4E1C-873F-D02D1690AC5C}">
-        <p15:threadingInfo xmlns:p15="http://schemas.microsoft.com/office/powerpoint/2012/main" timeZoneBias="360"/>
-      </p:ext>
-    </p:extLst>
-  </p:cm>
-</p:cmLst>
-</file>
-
-<file path=ppt/comments/comment2.xml><?xml version="1.0" encoding="utf-8"?>
-<p:cmLst xmlns:a="http://schemas.openxmlformats.org/drawingml/2006/main" xmlns:r="http://schemas.openxmlformats.org/officeDocument/2006/relationships" xmlns:p="http://schemas.openxmlformats.org/presentationml/2006/main">
-  <p:cm authorId="22" dt="2020-07-07T15:59:43.792" idx="36">
-    <p:pos x="10" y="10"/>
-    <p:text>Maybe add a side note explicitly saying to not kill the ldmsd daemon or clarify that we are still using/on the same sampler</p:text>
-    <p:extLst>
-      <p:ext uri="{C676402C-5697-4E1C-873F-D02D1690AC5C}">
-        <p15:threadingInfo xmlns:p15="http://schemas.microsoft.com/office/powerpoint/2012/main" timeZoneBias="360"/>
-      </p:ext>
-    </p:extLst>
-  </p:cm>
-</p:cmLst>
-</file>
-
 <file path=ppt/notesMasters/notesMaster1.xml><?xml version="1.0" encoding="utf-8"?>
 <p:notesMaster xmlns:a="http://schemas.openxmlformats.org/drawingml/2006/main" xmlns:r="http://schemas.openxmlformats.org/officeDocument/2006/relationships" xmlns:p="http://schemas.openxmlformats.org/presentationml/2006/main">
   <p:cSld>
@@ -348,7 +320,7 @@
           <a:p>
             <a:fld id="{5515DC6D-ED59-469D-88D0-9057F3205ED0}" type="datetimeFigureOut">
               <a:rPr lang="en-US" smtClean="0"/>
-              <a:t>10/13/2021</a:t>
+              <a:t>10/18/2021</a:t>
             </a:fld>
             <a:endParaRPr lang="en-US"/>
           </a:p>
@@ -1031,7 +1003,7 @@
           <a:p>
             <a:fld id="{970F4152-DA21-4479-BA30-7B2CB31DD11E}" type="slidenum">
               <a:rPr lang="en-US" smtClean="0"/>
-              <a:t>35</a:t>
+              <a:t>34</a:t>
             </a:fld>
             <a:endParaRPr lang="en-US"/>
           </a:p>
@@ -1782,7 +1754,7 @@
           <a:p>
             <a:fld id="{3B3E79F2-48A9-D34A-BC9C-5EC0B9869B09}" type="datetime1">
               <a:rPr lang="en-US" smtClean="0"/>
-              <a:t>10/13/2021</a:t>
+              <a:t>10/18/2021</a:t>
             </a:fld>
             <a:endParaRPr lang="en-US"/>
           </a:p>
@@ -1950,7 +1922,7 @@
           <a:p>
             <a:fld id="{20ED4644-A878-5240-9A7D-370DEFA6A892}" type="datetime1">
               <a:rPr lang="en-US" smtClean="0"/>
-              <a:t>10/13/2021</a:t>
+              <a:t>10/18/2021</a:t>
             </a:fld>
             <a:endParaRPr lang="en-US"/>
           </a:p>
@@ -2128,7 +2100,7 @@
           <a:p>
             <a:fld id="{AAF79E9F-1F42-AB49-8576-95DD0B95FB79}" type="datetime1">
               <a:rPr lang="en-US" smtClean="0"/>
-              <a:t>10/13/2021</a:t>
+              <a:t>10/18/2021</a:t>
             </a:fld>
             <a:endParaRPr lang="en-US"/>
           </a:p>
@@ -2296,7 +2268,7 @@
           <a:p>
             <a:fld id="{9B75C5DB-5899-8543-A0BE-C47C10DB2248}" type="datetime1">
               <a:rPr lang="en-US" smtClean="0"/>
-              <a:t>10/13/2021</a:t>
+              <a:t>10/18/2021</a:t>
             </a:fld>
             <a:endParaRPr lang="en-US"/>
           </a:p>
@@ -2968,7 +2940,7 @@
                   <a:prstClr val="black"/>
                 </a:solidFill>
               </a:rPr>
-              <a:t>10/13/2021</a:t>
+              <a:t>10/18/2021</a:t>
             </a:fld>
             <a:endParaRPr lang="en-US">
               <a:solidFill>
@@ -3520,7 +3492,7 @@
                   <a:prstClr val="black"/>
                 </a:solidFill>
               </a:rPr>
-              <a:t>10/13/2021</a:t>
+              <a:t>10/18/2021</a:t>
             </a:fld>
             <a:endParaRPr lang="en-US">
               <a:solidFill>
@@ -4265,7 +4237,7 @@
                   <a:prstClr val="black"/>
                 </a:solidFill>
               </a:rPr>
-              <a:t>10/13/2021</a:t>
+              <a:t>10/18/2021</a:t>
             </a:fld>
             <a:endParaRPr lang="en-US">
               <a:solidFill>
@@ -5175,7 +5147,7 @@
                   <a:prstClr val="black"/>
                 </a:solidFill>
               </a:rPr>
-              <a:t>10/13/2021</a:t>
+              <a:t>10/18/2021</a:t>
             </a:fld>
             <a:endParaRPr lang="en-US">
               <a:solidFill>
@@ -5881,7 +5853,7 @@
                   <a:prstClr val="black"/>
                 </a:solidFill>
               </a:rPr>
-              <a:t>10/13/2021</a:t>
+              <a:t>10/18/2021</a:t>
             </a:fld>
             <a:endParaRPr lang="en-US">
               <a:solidFill>
@@ -6965,7 +6937,7 @@
                   <a:prstClr val="black"/>
                 </a:solidFill>
               </a:rPr>
-              <a:t>10/13/2021</a:t>
+              <a:t>10/18/2021</a:t>
             </a:fld>
             <a:endParaRPr lang="en-US">
               <a:solidFill>
@@ -7267,7 +7239,7 @@
                   <a:prstClr val="black"/>
                 </a:solidFill>
               </a:rPr>
-              <a:t>10/13/2021</a:t>
+              <a:t>10/18/2021</a:t>
             </a:fld>
             <a:endParaRPr lang="en-US">
               <a:solidFill>
@@ -7484,7 +7456,7 @@
           <a:p>
             <a:fld id="{0F5F9B54-585E-CC44-8578-2A051184C743}" type="datetime1">
               <a:rPr lang="en-US" smtClean="0"/>
-              <a:t>10/13/2021</a:t>
+              <a:t>10/18/2021</a:t>
             </a:fld>
             <a:endParaRPr lang="en-US"/>
           </a:p>
@@ -7773,7 +7745,7 @@
                   <a:prstClr val="black"/>
                 </a:solidFill>
               </a:rPr>
-              <a:t>10/13/2021</a:t>
+              <a:t>10/18/2021</a:t>
             </a:fld>
             <a:endParaRPr lang="en-US">
               <a:solidFill>
@@ -8093,7 +8065,7 @@
                   <a:prstClr val="black"/>
                 </a:solidFill>
               </a:rPr>
-              <a:t>10/13/2021</a:t>
+              <a:t>10/18/2021</a:t>
             </a:fld>
             <a:endParaRPr lang="en-US">
               <a:solidFill>
@@ -8547,7 +8519,7 @@
                   <a:prstClr val="black"/>
                 </a:solidFill>
               </a:rPr>
-              <a:t>10/13/2021</a:t>
+              <a:t>10/18/2021</a:t>
             </a:fld>
             <a:endParaRPr lang="en-US">
               <a:solidFill>
@@ -8699,7 +8671,7 @@
                   <a:prstClr val="black"/>
                 </a:solidFill>
               </a:rPr>
-              <a:t>10/13/2021</a:t>
+              <a:t>10/18/2021</a:t>
             </a:fld>
             <a:endParaRPr lang="en-US">
               <a:solidFill>
@@ -8859,7 +8831,7 @@
                   <a:prstClr val="black"/>
                 </a:solidFill>
               </a:rPr>
-              <a:t>10/13/2021</a:t>
+              <a:t>10/18/2021</a:t>
             </a:fld>
             <a:endParaRPr lang="en-US">
               <a:solidFill>
@@ -9169,7 +9141,7 @@
                   <a:prstClr val="black"/>
                 </a:solidFill>
               </a:rPr>
-              <a:t>10/13/2021</a:t>
+              <a:t>10/18/2021</a:t>
             </a:fld>
             <a:endParaRPr lang="en-US">
               <a:solidFill>
@@ -9460,7 +9432,7 @@
                   <a:prstClr val="black"/>
                 </a:solidFill>
               </a:rPr>
-              <a:t>10/13/2021</a:t>
+              <a:t>10/18/2021</a:t>
             </a:fld>
             <a:endParaRPr lang="en-US">
               <a:solidFill>
@@ -9663,7 +9635,7 @@
                   <a:prstClr val="black"/>
                 </a:solidFill>
               </a:rPr>
-              <a:t>10/13/2021</a:t>
+              <a:t>10/18/2021</a:t>
             </a:fld>
             <a:endParaRPr lang="en-US">
               <a:solidFill>
@@ -9876,7 +9848,7 @@
                   <a:prstClr val="black"/>
                 </a:solidFill>
               </a:rPr>
-              <a:t>10/13/2021</a:t>
+              <a:t>10/18/2021</a:t>
             </a:fld>
             <a:endParaRPr lang="en-US">
               <a:solidFill>
@@ -10199,7 +10171,7 @@
                   <a:prstClr val="black"/>
                 </a:solidFill>
               </a:rPr>
-              <a:t>10/13/2021</a:t>
+              <a:t>10/18/2021</a:t>
             </a:fld>
             <a:endParaRPr lang="en-US">
               <a:solidFill>
@@ -10470,7 +10442,7 @@
           <a:p>
             <a:fld id="{866FF88C-82F1-E84D-B6F8-541B85745FC1}" type="datetime1">
               <a:rPr lang="en-US" smtClean="0"/>
-              <a:t>10/13/2021</a:t>
+              <a:t>10/18/2021</a:t>
             </a:fld>
             <a:endParaRPr lang="en-US"/>
           </a:p>
@@ -10699,7 +10671,7 @@
           <a:p>
             <a:fld id="{DA60E458-625E-724E-9B5D-06D273214EFC}" type="datetime1">
               <a:rPr lang="en-US" smtClean="0"/>
-              <a:t>10/13/2021</a:t>
+              <a:t>10/18/2021</a:t>
             </a:fld>
             <a:endParaRPr lang="en-US"/>
           </a:p>
@@ -11063,7 +11035,7 @@
           <a:p>
             <a:fld id="{B9B9D42C-CF2E-8841-A299-A8B6F0748931}" type="datetime1">
               <a:rPr lang="en-US" smtClean="0"/>
-              <a:t>10/13/2021</a:t>
+              <a:t>10/18/2021</a:t>
             </a:fld>
             <a:endParaRPr lang="en-US"/>
           </a:p>
@@ -11180,7 +11152,7 @@
           <a:p>
             <a:fld id="{5C6CB96D-CE98-074C-BD72-E8E6E569F9D8}" type="datetime1">
               <a:rPr lang="en-US" smtClean="0"/>
-              <a:t>10/13/2021</a:t>
+              <a:t>10/18/2021</a:t>
             </a:fld>
             <a:endParaRPr lang="en-US"/>
           </a:p>
@@ -11275,7 +11247,7 @@
           <a:p>
             <a:fld id="{336D8880-264F-4E4C-8EA5-5AC4C6232E0C}" type="datetime1">
               <a:rPr lang="en-US" smtClean="0"/>
-              <a:t>10/13/2021</a:t>
+              <a:t>10/18/2021</a:t>
             </a:fld>
             <a:endParaRPr lang="en-US"/>
           </a:p>
@@ -11550,7 +11522,7 @@
           <a:p>
             <a:fld id="{E02DB8E5-83B7-8546-9DB6-194B4CD7E88F}" type="datetime1">
               <a:rPr lang="en-US" smtClean="0"/>
-              <a:t>10/13/2021</a:t>
+              <a:t>10/18/2021</a:t>
             </a:fld>
             <a:endParaRPr lang="en-US"/>
           </a:p>
@@ -11802,7 +11774,7 @@
           <a:p>
             <a:fld id="{5EEC665B-DF11-8141-8BD2-25E10BC92E78}" type="datetime1">
               <a:rPr lang="en-US" smtClean="0"/>
-              <a:t>10/13/2021</a:t>
+              <a:t>10/18/2021</a:t>
             </a:fld>
             <a:endParaRPr lang="en-US"/>
           </a:p>
@@ -12036,7 +12008,7 @@
           <a:p>
             <a:fld id="{018BCA23-F275-7C43-833E-A54DE74827D9}" type="datetime1">
               <a:rPr lang="en-US" smtClean="0"/>
-              <a:t>10/13/2021</a:t>
+              <a:t>10/18/2021</a:t>
             </a:fld>
             <a:endParaRPr lang="en-US"/>
           </a:p>
@@ -12747,7 +12719,7 @@
                   <a:prstClr val="black"/>
                 </a:solidFill>
               </a:rPr>
-              <a:t>10/13/2021</a:t>
+              <a:t>10/18/2021</a:t>
             </a:fld>
             <a:endParaRPr lang="en-US">
               <a:solidFill>
@@ -15748,7 +15720,7 @@
             </a:pPr>
             <a:r>
               <a:rPr lang="en-US" sz="2000" dirty="0"/>
-              <a:t>export PYTHONPATH=${OVIS_HOME}/lib/python2.7/site-packages/:${PYTHONPATH}</a:t>
+              <a:t>export PYTHONPATH=${OVIS_HOME}/lib/python3.6/site-packages/:${PYTHONPATH}</a:t>
             </a:r>
             <a:endParaRPr lang="en-US" sz="800" dirty="0"/>
           </a:p>
@@ -15770,16 +15742,13 @@
             </a:pPr>
             <a:r>
               <a:rPr lang="en-US" sz="2000" dirty="0"/>
-              <a:t>export ZAP_LIBPATH=${OVIS_HOME}/lib/</a:t>
+              <a:t>export ZAP_LIBPATH=${OVIS_HOME}/lib64/</a:t>
             </a:r>
             <a:r>
               <a:rPr lang="en-US" sz="2000" dirty="0" err="1"/>
-              <a:t>ovis</a:t>
-            </a:r>
-            <a:r>
-              <a:rPr lang="en-US" sz="2000" dirty="0"/>
-              <a:t>-lib</a:t>
-            </a:r>
+              <a:t>ovis-ldms</a:t>
+            </a:r>
+            <a:endParaRPr lang="en-US" sz="2000" dirty="0"/>
           </a:p>
           <a:p>
             <a:pPr marL="0" indent="0">
@@ -17444,7 +17413,7 @@
               <a:effectLst/>
               <a:extLst>
                 <a:ext uri="{C572A759-6A51-4108-AA02-DFA0A04FC94B}">
-                  <ma14:wrappingTextBoxFlag xmlns:ma14="http://schemas.microsoft.com/office/mac/drawingml/2011/main" xmlns="" val="1"/>
+                  <ma14:wrappingTextBoxFlag xmlns="" xmlns:ma14="http://schemas.microsoft.com/office/mac/drawingml/2011/main" val="1"/>
                 </a:ext>
               </a:extLst>
             </p:spPr>
@@ -17558,7 +17527,7 @@
               <a:effectLst/>
               <a:extLst>
                 <a:ext uri="{C572A759-6A51-4108-AA02-DFA0A04FC94B}">
-                  <ma14:wrappingTextBoxFlag xmlns:ma14="http://schemas.microsoft.com/office/mac/drawingml/2011/main" xmlns="" val="1"/>
+                  <ma14:wrappingTextBoxFlag xmlns="" xmlns:ma14="http://schemas.microsoft.com/office/mac/drawingml/2011/main" val="1"/>
                 </a:ext>
               </a:extLst>
             </p:spPr>
@@ -17635,7 +17604,7 @@
             </a:ln>
             <a:extLst>
               <a:ext uri="{C572A759-6A51-4108-AA02-DFA0A04FC94B}">
-                <ma14:wrappingTextBoxFlag xmlns:ma14="http://schemas.microsoft.com/office/mac/drawingml/2011/main" xmlns="" val="1"/>
+                <ma14:wrappingTextBoxFlag xmlns="" xmlns:ma14="http://schemas.microsoft.com/office/mac/drawingml/2011/main" val="1"/>
               </a:ext>
             </a:extLst>
           </p:spPr>
@@ -17749,7 +17718,7 @@
               <a:effectLst/>
               <a:extLst>
                 <a:ext uri="{C572A759-6A51-4108-AA02-DFA0A04FC94B}">
-                  <ma14:wrappingTextBoxFlag xmlns:ma14="http://schemas.microsoft.com/office/mac/drawingml/2011/main" xmlns="" val="1"/>
+                  <ma14:wrappingTextBoxFlag xmlns="" xmlns:ma14="http://schemas.microsoft.com/office/mac/drawingml/2011/main" val="1"/>
                 </a:ext>
               </a:extLst>
             </p:spPr>
@@ -17826,7 +17795,7 @@
             </a:ln>
             <a:extLst>
               <a:ext uri="{C572A759-6A51-4108-AA02-DFA0A04FC94B}">
-                <ma14:wrappingTextBoxFlag xmlns:ma14="http://schemas.microsoft.com/office/mac/drawingml/2011/main" xmlns="" val="1"/>
+                <ma14:wrappingTextBoxFlag xmlns="" xmlns:ma14="http://schemas.microsoft.com/office/mac/drawingml/2011/main" val="1"/>
               </a:ext>
             </a:extLst>
           </p:spPr>
@@ -17929,7 +17898,7 @@
               <a:effectLst/>
               <a:extLst>
                 <a:ext uri="{C572A759-6A51-4108-AA02-DFA0A04FC94B}">
-                  <ma14:wrappingTextBoxFlag xmlns:ma14="http://schemas.microsoft.com/office/mac/drawingml/2011/main" xmlns="" val="1"/>
+                  <ma14:wrappingTextBoxFlag xmlns="" xmlns:ma14="http://schemas.microsoft.com/office/mac/drawingml/2011/main" val="1"/>
                 </a:ext>
               </a:extLst>
             </p:spPr>
@@ -18033,7 +18002,7 @@
               <a:effectLst/>
               <a:extLst>
                 <a:ext uri="{C572A759-6A51-4108-AA02-DFA0A04FC94B}">
-                  <ma14:wrappingTextBoxFlag xmlns:ma14="http://schemas.microsoft.com/office/mac/drawingml/2011/main" xmlns="" val="1"/>
+                  <ma14:wrappingTextBoxFlag xmlns="" xmlns:ma14="http://schemas.microsoft.com/office/mac/drawingml/2011/main" val="1"/>
                 </a:ext>
               </a:extLst>
             </p:spPr>
@@ -18150,7 +18119,7 @@
               <a:effectLst/>
               <a:extLst>
                 <a:ext uri="{C572A759-6A51-4108-AA02-DFA0A04FC94B}">
-                  <ma14:wrappingTextBoxFlag xmlns:ma14="http://schemas.microsoft.com/office/mac/drawingml/2011/main" xmlns="" val="1"/>
+                  <ma14:wrappingTextBoxFlag xmlns="" xmlns:ma14="http://schemas.microsoft.com/office/mac/drawingml/2011/main" val="1"/>
                 </a:ext>
               </a:extLst>
             </p:spPr>
@@ -18265,7 +18234,7 @@
               <a:effectLst/>
               <a:extLst>
                 <a:ext uri="{C572A759-6A51-4108-AA02-DFA0A04FC94B}">
-                  <ma14:wrappingTextBoxFlag xmlns:ma14="http://schemas.microsoft.com/office/mac/drawingml/2011/main" xmlns="" val="1"/>
+                  <ma14:wrappingTextBoxFlag xmlns="" xmlns:ma14="http://schemas.microsoft.com/office/mac/drawingml/2011/main" val="1"/>
                 </a:ext>
               </a:extLst>
             </p:spPr>
@@ -18404,7 +18373,7 @@
               <a:effectLst/>
               <a:extLst>
                 <a:ext uri="{C572A759-6A51-4108-AA02-DFA0A04FC94B}">
-                  <ma14:wrappingTextBoxFlag xmlns:ma14="http://schemas.microsoft.com/office/mac/drawingml/2011/main" xmlns="" val="1"/>
+                  <ma14:wrappingTextBoxFlag xmlns="" xmlns:ma14="http://schemas.microsoft.com/office/mac/drawingml/2011/main" val="1"/>
                 </a:ext>
               </a:extLst>
             </p:spPr>
@@ -18503,7 +18472,7 @@
               <a:effectLst/>
               <a:extLst>
                 <a:ext uri="{C572A759-6A51-4108-AA02-DFA0A04FC94B}">
-                  <ma14:wrappingTextBoxFlag xmlns:ma14="http://schemas.microsoft.com/office/mac/drawingml/2011/main" xmlns="" val="1"/>
+                  <ma14:wrappingTextBoxFlag xmlns="" xmlns:ma14="http://schemas.microsoft.com/office/mac/drawingml/2011/main" val="1"/>
                 </a:ext>
               </a:extLst>
             </p:spPr>
@@ -18602,7 +18571,7 @@
               <a:effectLst/>
               <a:extLst>
                 <a:ext uri="{C572A759-6A51-4108-AA02-DFA0A04FC94B}">
-                  <ma14:wrappingTextBoxFlag xmlns:ma14="http://schemas.microsoft.com/office/mac/drawingml/2011/main" xmlns="" val="1"/>
+                  <ma14:wrappingTextBoxFlag xmlns="" xmlns:ma14="http://schemas.microsoft.com/office/mac/drawingml/2011/main" val="1"/>
                 </a:ext>
               </a:extLst>
             </p:spPr>
@@ -18701,7 +18670,7 @@
               <a:effectLst/>
               <a:extLst>
                 <a:ext uri="{C572A759-6A51-4108-AA02-DFA0A04FC94B}">
-                  <ma14:wrappingTextBoxFlag xmlns:ma14="http://schemas.microsoft.com/office/mac/drawingml/2011/main" xmlns="" val="1"/>
+                  <ma14:wrappingTextBoxFlag xmlns="" xmlns:ma14="http://schemas.microsoft.com/office/mac/drawingml/2011/main" val="1"/>
                 </a:ext>
               </a:extLst>
             </p:spPr>
@@ -18999,7 +18968,7 @@
             </a:ln>
             <a:extLst>
               <a:ext uri="{C572A759-6A51-4108-AA02-DFA0A04FC94B}">
-                <ma14:wrappingTextBoxFlag xmlns:ma14="http://schemas.microsoft.com/office/mac/drawingml/2011/main" xmlns="" val="1"/>
+                <ma14:wrappingTextBoxFlag xmlns="" xmlns:ma14="http://schemas.microsoft.com/office/mac/drawingml/2011/main" val="1"/>
               </a:ext>
             </a:extLst>
           </p:spPr>
@@ -19113,7 +19082,7 @@
               <a:effectLst/>
               <a:extLst>
                 <a:ext uri="{C572A759-6A51-4108-AA02-DFA0A04FC94B}">
-                  <ma14:wrappingTextBoxFlag xmlns:ma14="http://schemas.microsoft.com/office/mac/drawingml/2011/main" xmlns="" val="1"/>
+                  <ma14:wrappingTextBoxFlag xmlns="" xmlns:ma14="http://schemas.microsoft.com/office/mac/drawingml/2011/main" val="1"/>
                 </a:ext>
               </a:extLst>
             </p:spPr>
@@ -19207,7 +19176,7 @@
               <a:effectLst/>
               <a:extLst>
                 <a:ext uri="{C572A759-6A51-4108-AA02-DFA0A04FC94B}">
-                  <ma14:wrappingTextBoxFlag xmlns:ma14="http://schemas.microsoft.com/office/mac/drawingml/2011/main" xmlns="" val="1"/>
+                  <ma14:wrappingTextBoxFlag xmlns="" xmlns:ma14="http://schemas.microsoft.com/office/mac/drawingml/2011/main" val="1"/>
                 </a:ext>
               </a:extLst>
             </p:spPr>
@@ -19304,7 +19273,7 @@
               <a:effectLst/>
               <a:extLst>
                 <a:ext uri="{C572A759-6A51-4108-AA02-DFA0A04FC94B}">
-                  <ma14:wrappingTextBoxFlag xmlns:ma14="http://schemas.microsoft.com/office/mac/drawingml/2011/main" xmlns="" val="1"/>
+                  <ma14:wrappingTextBoxFlag xmlns="" xmlns:ma14="http://schemas.microsoft.com/office/mac/drawingml/2011/main" val="1"/>
                 </a:ext>
               </a:extLst>
             </p:spPr>
@@ -19399,7 +19368,7 @@
               <a:effectLst/>
               <a:extLst>
                 <a:ext uri="{C572A759-6A51-4108-AA02-DFA0A04FC94B}">
-                  <ma14:wrappingTextBoxFlag xmlns:ma14="http://schemas.microsoft.com/office/mac/drawingml/2011/main" xmlns="" val="1"/>
+                  <ma14:wrappingTextBoxFlag xmlns="" xmlns:ma14="http://schemas.microsoft.com/office/mac/drawingml/2011/main" val="1"/>
                 </a:ext>
               </a:extLst>
             </p:spPr>
@@ -19493,7 +19462,7 @@
               <a:effectLst/>
               <a:extLst>
                 <a:ext uri="{C572A759-6A51-4108-AA02-DFA0A04FC94B}">
-                  <ma14:wrappingTextBoxFlag xmlns:ma14="http://schemas.microsoft.com/office/mac/drawingml/2011/main" xmlns="" val="1"/>
+                  <ma14:wrappingTextBoxFlag xmlns="" xmlns:ma14="http://schemas.microsoft.com/office/mac/drawingml/2011/main" val="1"/>
                 </a:ext>
               </a:extLst>
             </p:spPr>
@@ -19615,7 +19584,7 @@
             </a:ln>
             <a:extLst>
               <a:ext uri="{C572A759-6A51-4108-AA02-DFA0A04FC94B}">
-                <ma14:wrappingTextBoxFlag xmlns:ma14="http://schemas.microsoft.com/office/mac/drawingml/2011/main" xmlns="" val="1"/>
+                <ma14:wrappingTextBoxFlag xmlns="" xmlns:ma14="http://schemas.microsoft.com/office/mac/drawingml/2011/main" val="1"/>
               </a:ext>
             </a:extLst>
           </p:spPr>
@@ -19721,7 +19690,7 @@
               <a:effectLst/>
               <a:extLst>
                 <a:ext uri="{C572A759-6A51-4108-AA02-DFA0A04FC94B}">
-                  <ma14:wrappingTextBoxFlag xmlns:ma14="http://schemas.microsoft.com/office/mac/drawingml/2011/main" xmlns="" val="1"/>
+                  <ma14:wrappingTextBoxFlag xmlns="" xmlns:ma14="http://schemas.microsoft.com/office/mac/drawingml/2011/main" val="1"/>
                 </a:ext>
               </a:extLst>
             </p:spPr>
@@ -21796,7 +21765,7 @@
               <a:effectLst/>
               <a:extLst>
                 <a:ext uri="{C572A759-6A51-4108-AA02-DFA0A04FC94B}">
-                  <ma14:wrappingTextBoxFlag xmlns:ma14="http://schemas.microsoft.com/office/mac/drawingml/2011/main" xmlns="" val="1"/>
+                  <ma14:wrappingTextBoxFlag xmlns="" xmlns:ma14="http://schemas.microsoft.com/office/mac/drawingml/2011/main" val="1"/>
                 </a:ext>
               </a:extLst>
             </p:spPr>
@@ -21910,7 +21879,7 @@
               <a:effectLst/>
               <a:extLst>
                 <a:ext uri="{C572A759-6A51-4108-AA02-DFA0A04FC94B}">
-                  <ma14:wrappingTextBoxFlag xmlns:ma14="http://schemas.microsoft.com/office/mac/drawingml/2011/main" xmlns="" val="1"/>
+                  <ma14:wrappingTextBoxFlag xmlns="" xmlns:ma14="http://schemas.microsoft.com/office/mac/drawingml/2011/main" val="1"/>
                 </a:ext>
               </a:extLst>
             </p:spPr>
@@ -22000,7 +21969,7 @@
             </a:ln>
             <a:extLst>
               <a:ext uri="{C572A759-6A51-4108-AA02-DFA0A04FC94B}">
-                <ma14:wrappingTextBoxFlag xmlns:ma14="http://schemas.microsoft.com/office/mac/drawingml/2011/main" xmlns="" val="1"/>
+                <ma14:wrappingTextBoxFlag xmlns="" xmlns:ma14="http://schemas.microsoft.com/office/mac/drawingml/2011/main" val="1"/>
               </a:ext>
             </a:extLst>
           </p:spPr>
@@ -22114,7 +22083,7 @@
               <a:effectLst/>
               <a:extLst>
                 <a:ext uri="{C572A759-6A51-4108-AA02-DFA0A04FC94B}">
-                  <ma14:wrappingTextBoxFlag xmlns:ma14="http://schemas.microsoft.com/office/mac/drawingml/2011/main" xmlns="" val="1"/>
+                  <ma14:wrappingTextBoxFlag xmlns="" xmlns:ma14="http://schemas.microsoft.com/office/mac/drawingml/2011/main" val="1"/>
                 </a:ext>
               </a:extLst>
             </p:spPr>
@@ -22204,7 +22173,7 @@
             </a:ln>
             <a:extLst>
               <a:ext uri="{C572A759-6A51-4108-AA02-DFA0A04FC94B}">
-                <ma14:wrappingTextBoxFlag xmlns:ma14="http://schemas.microsoft.com/office/mac/drawingml/2011/main" xmlns="" val="1"/>
+                <ma14:wrappingTextBoxFlag xmlns="" xmlns:ma14="http://schemas.microsoft.com/office/mac/drawingml/2011/main" val="1"/>
               </a:ext>
             </a:extLst>
           </p:spPr>
@@ -22309,7 +22278,7 @@
               <a:effectLst/>
               <a:extLst>
                 <a:ext uri="{C572A759-6A51-4108-AA02-DFA0A04FC94B}">
-                  <ma14:wrappingTextBoxFlag xmlns:ma14="http://schemas.microsoft.com/office/mac/drawingml/2011/main" xmlns="" val="1"/>
+                  <ma14:wrappingTextBoxFlag xmlns="" xmlns:ma14="http://schemas.microsoft.com/office/mac/drawingml/2011/main" val="1"/>
                 </a:ext>
               </a:extLst>
             </p:spPr>
@@ -22415,7 +22384,7 @@
               <a:effectLst/>
               <a:extLst>
                 <a:ext uri="{C572A759-6A51-4108-AA02-DFA0A04FC94B}">
-                  <ma14:wrappingTextBoxFlag xmlns:ma14="http://schemas.microsoft.com/office/mac/drawingml/2011/main" xmlns="" val="1"/>
+                  <ma14:wrappingTextBoxFlag xmlns="" xmlns:ma14="http://schemas.microsoft.com/office/mac/drawingml/2011/main" val="1"/>
                 </a:ext>
               </a:extLst>
             </p:spPr>
@@ -22532,7 +22501,7 @@
               <a:effectLst/>
               <a:extLst>
                 <a:ext uri="{C572A759-6A51-4108-AA02-DFA0A04FC94B}">
-                  <ma14:wrappingTextBoxFlag xmlns:ma14="http://schemas.microsoft.com/office/mac/drawingml/2011/main" xmlns="" val="1"/>
+                  <ma14:wrappingTextBoxFlag xmlns="" xmlns:ma14="http://schemas.microsoft.com/office/mac/drawingml/2011/main" val="1"/>
                 </a:ext>
               </a:extLst>
             </p:spPr>
@@ -22647,7 +22616,7 @@
               <a:effectLst/>
               <a:extLst>
                 <a:ext uri="{C572A759-6A51-4108-AA02-DFA0A04FC94B}">
-                  <ma14:wrappingTextBoxFlag xmlns:ma14="http://schemas.microsoft.com/office/mac/drawingml/2011/main" xmlns="" val="1"/>
+                  <ma14:wrappingTextBoxFlag xmlns="" xmlns:ma14="http://schemas.microsoft.com/office/mac/drawingml/2011/main" val="1"/>
                 </a:ext>
               </a:extLst>
             </p:spPr>
@@ -23045,7 +23014,7 @@
             </a:ln>
             <a:extLst>
               <a:ext uri="{C572A759-6A51-4108-AA02-DFA0A04FC94B}">
-                <ma14:wrappingTextBoxFlag xmlns:ma14="http://schemas.microsoft.com/office/mac/drawingml/2011/main" xmlns="" val="1"/>
+                <ma14:wrappingTextBoxFlag xmlns="" xmlns:ma14="http://schemas.microsoft.com/office/mac/drawingml/2011/main" val="1"/>
               </a:ext>
             </a:extLst>
           </p:spPr>
@@ -23159,7 +23128,7 @@
               <a:effectLst/>
               <a:extLst>
                 <a:ext uri="{C572A759-6A51-4108-AA02-DFA0A04FC94B}">
-                  <ma14:wrappingTextBoxFlag xmlns:ma14="http://schemas.microsoft.com/office/mac/drawingml/2011/main" xmlns="" val="1"/>
+                  <ma14:wrappingTextBoxFlag xmlns="" xmlns:ma14="http://schemas.microsoft.com/office/mac/drawingml/2011/main" val="1"/>
                 </a:ext>
               </a:extLst>
             </p:spPr>
@@ -23253,7 +23222,7 @@
               <a:effectLst/>
               <a:extLst>
                 <a:ext uri="{C572A759-6A51-4108-AA02-DFA0A04FC94B}">
-                  <ma14:wrappingTextBoxFlag xmlns:ma14="http://schemas.microsoft.com/office/mac/drawingml/2011/main" xmlns="" val="1"/>
+                  <ma14:wrappingTextBoxFlag xmlns="" xmlns:ma14="http://schemas.microsoft.com/office/mac/drawingml/2011/main" val="1"/>
                 </a:ext>
               </a:extLst>
             </p:spPr>
@@ -23350,7 +23319,7 @@
               <a:effectLst/>
               <a:extLst>
                 <a:ext uri="{C572A759-6A51-4108-AA02-DFA0A04FC94B}">
-                  <ma14:wrappingTextBoxFlag xmlns:ma14="http://schemas.microsoft.com/office/mac/drawingml/2011/main" xmlns="" val="1"/>
+                  <ma14:wrappingTextBoxFlag xmlns="" xmlns:ma14="http://schemas.microsoft.com/office/mac/drawingml/2011/main" val="1"/>
                 </a:ext>
               </a:extLst>
             </p:spPr>
@@ -23445,7 +23414,7 @@
               <a:effectLst/>
               <a:extLst>
                 <a:ext uri="{C572A759-6A51-4108-AA02-DFA0A04FC94B}">
-                  <ma14:wrappingTextBoxFlag xmlns:ma14="http://schemas.microsoft.com/office/mac/drawingml/2011/main" xmlns="" val="1"/>
+                  <ma14:wrappingTextBoxFlag xmlns="" xmlns:ma14="http://schemas.microsoft.com/office/mac/drawingml/2011/main" val="1"/>
                 </a:ext>
               </a:extLst>
             </p:spPr>
@@ -23539,7 +23508,7 @@
               <a:effectLst/>
               <a:extLst>
                 <a:ext uri="{C572A759-6A51-4108-AA02-DFA0A04FC94B}">
-                  <ma14:wrappingTextBoxFlag xmlns:ma14="http://schemas.microsoft.com/office/mac/drawingml/2011/main" xmlns="" val="1"/>
+                  <ma14:wrappingTextBoxFlag xmlns="" xmlns:ma14="http://schemas.microsoft.com/office/mac/drawingml/2011/main" val="1"/>
                 </a:ext>
               </a:extLst>
             </p:spPr>
@@ -23665,7 +23634,7 @@
             </a:ln>
             <a:extLst>
               <a:ext uri="{C572A759-6A51-4108-AA02-DFA0A04FC94B}">
-                <ma14:wrappingTextBoxFlag xmlns:ma14="http://schemas.microsoft.com/office/mac/drawingml/2011/main" xmlns="" val="1"/>
+                <ma14:wrappingTextBoxFlag xmlns="" xmlns:ma14="http://schemas.microsoft.com/office/mac/drawingml/2011/main" val="1"/>
               </a:ext>
             </a:extLst>
           </p:spPr>
@@ -23771,7 +23740,7 @@
               <a:effectLst/>
               <a:extLst>
                 <a:ext uri="{C572A759-6A51-4108-AA02-DFA0A04FC94B}">
-                  <ma14:wrappingTextBoxFlag xmlns:ma14="http://schemas.microsoft.com/office/mac/drawingml/2011/main" xmlns="" val="1"/>
+                  <ma14:wrappingTextBoxFlag xmlns="" xmlns:ma14="http://schemas.microsoft.com/office/mac/drawingml/2011/main" val="1"/>
                 </a:ext>
               </a:extLst>
             </p:spPr>
@@ -23969,7 +23938,7 @@
           <a:effectLst/>
           <a:extLst>
             <a:ext uri="{C572A759-6A51-4108-AA02-DFA0A04FC94B}">
-              <ma14:wrappingTextBoxFlag xmlns:ma14="http://schemas.microsoft.com/office/mac/drawingml/2011/main" xmlns="" val="1"/>
+              <ma14:wrappingTextBoxFlag xmlns="" xmlns:ma14="http://schemas.microsoft.com/office/mac/drawingml/2011/main" val="1"/>
             </a:ext>
           </a:extLst>
         </p:spPr>
@@ -24065,7 +24034,7 @@
           <a:effectLst/>
           <a:extLst>
             <a:ext uri="{C572A759-6A51-4108-AA02-DFA0A04FC94B}">
-              <ma14:wrappingTextBoxFlag xmlns:ma14="http://schemas.microsoft.com/office/mac/drawingml/2011/main" xmlns="" val="1"/>
+              <ma14:wrappingTextBoxFlag xmlns="" xmlns:ma14="http://schemas.microsoft.com/office/mac/drawingml/2011/main" val="1"/>
             </a:ext>
           </a:extLst>
         </p:spPr>
@@ -24161,7 +24130,7 @@
           <a:effectLst/>
           <a:extLst>
             <a:ext uri="{C572A759-6A51-4108-AA02-DFA0A04FC94B}">
-              <ma14:wrappingTextBoxFlag xmlns:ma14="http://schemas.microsoft.com/office/mac/drawingml/2011/main" xmlns="" val="1"/>
+              <ma14:wrappingTextBoxFlag xmlns="" xmlns:ma14="http://schemas.microsoft.com/office/mac/drawingml/2011/main" val="1"/>
             </a:ext>
           </a:extLst>
         </p:spPr>
@@ -24257,7 +24226,7 @@
           <a:effectLst/>
           <a:extLst>
             <a:ext uri="{C572A759-6A51-4108-AA02-DFA0A04FC94B}">
-              <ma14:wrappingTextBoxFlag xmlns:ma14="http://schemas.microsoft.com/office/mac/drawingml/2011/main" xmlns="" val="1"/>
+              <ma14:wrappingTextBoxFlag xmlns="" xmlns:ma14="http://schemas.microsoft.com/office/mac/drawingml/2011/main" val="1"/>
             </a:ext>
           </a:extLst>
         </p:spPr>
@@ -27090,6 +27059,542 @@
         </p:nvSpPr>
         <p:spPr>
           <a:xfrm>
+            <a:off x="323850" y="207535"/>
+            <a:ext cx="9569824" cy="939240"/>
+          </a:xfrm>
+        </p:spPr>
+        <p:txBody>
+          <a:bodyPr>
+            <a:noAutofit/>
+          </a:bodyPr>
+          <a:lstStyle/>
+          <a:p>
+            <a:r>
+              <a:rPr lang="en-US" sz="4000" dirty="0">
+                <a:solidFill>
+                  <a:srgbClr val="0070C0"/>
+                </a:solidFill>
+                <a:latin typeface="+mn-lt"/>
+              </a:rPr>
+              <a:t>Query Current Metric Values Before Starting The “meminfo” Sampler Plugin</a:t>
+            </a:r>
+          </a:p>
+        </p:txBody>
+      </p:sp>
+      <p:sp>
+        <p:nvSpPr>
+          <p:cNvPr id="3" name="Content Placeholder 2"/>
+          <p:cNvSpPr>
+            <a:spLocks noGrp="1"/>
+          </p:cNvSpPr>
+          <p:nvPr>
+            <p:ph idx="1"/>
+          </p:nvPr>
+        </p:nvSpPr>
+        <p:spPr>
+          <a:xfrm>
+            <a:off x="329295" y="1458759"/>
+            <a:ext cx="10515600" cy="5181571"/>
+          </a:xfrm>
+        </p:spPr>
+        <p:txBody>
+          <a:bodyPr>
+            <a:normAutofit fontScale="70000" lnSpcReduction="20000"/>
+          </a:bodyPr>
+          <a:lstStyle/>
+          <a:p>
+            <a:pPr marL="0" indent="0">
+              <a:buNone/>
+            </a:pPr>
+            <a:r>
+              <a:rPr lang="en-US" sz="2900" dirty="0">
+                <a:solidFill>
+                  <a:srgbClr val="6060FF"/>
+                </a:solidFill>
+              </a:rPr>
+              <a:t> </a:t>
+            </a:r>
+            <a:r>
+              <a:rPr lang="en-US" sz="4000" dirty="0">
+                <a:solidFill>
+                  <a:srgbClr val="6060FF"/>
+                </a:solidFill>
+              </a:rPr>
+              <a:t>$ </a:t>
+            </a:r>
+            <a:r>
+              <a:rPr lang="en-US" sz="4000" dirty="0">
+                <a:solidFill>
+                  <a:prstClr val="black"/>
+                </a:solidFill>
+              </a:rPr>
+              <a:t>ldms_ls -x sock -p 10001 </a:t>
+            </a:r>
+            <a:r>
+              <a:rPr lang="en-US" sz="4000" dirty="0">
+                <a:solidFill>
+                  <a:srgbClr val="0070C0"/>
+                </a:solidFill>
+              </a:rPr>
+              <a:t>-l </a:t>
+            </a:r>
+            <a:r>
+              <a:rPr lang="en-US" sz="4000" dirty="0">
+                <a:solidFill>
+                  <a:schemeClr val="accent1"/>
+                </a:solidFill>
+              </a:rPr>
+              <a:t>ovis-demo-01</a:t>
+            </a:r>
+            <a:r>
+              <a:rPr lang="en-US" sz="4000" dirty="0">
+                <a:solidFill>
+                  <a:srgbClr val="0070C0"/>
+                </a:solidFill>
+              </a:rPr>
+              <a:t>/meminfo</a:t>
+            </a:r>
+          </a:p>
+          <a:p>
+            <a:pPr marL="0" indent="0">
+              <a:buNone/>
+            </a:pPr>
+            <a:endParaRPr lang="en-US" dirty="0">
+              <a:solidFill>
+                <a:prstClr val="black"/>
+              </a:solidFill>
+              <a:latin typeface="Lucida Console" panose="020B0609040504020204" pitchFamily="49" charset="0"/>
+            </a:endParaRPr>
+          </a:p>
+          <a:p>
+            <a:pPr marL="0" indent="0">
+              <a:lnSpc>
+                <a:spcPct val="120000"/>
+              </a:lnSpc>
+              <a:spcBef>
+                <a:spcPts val="0"/>
+              </a:spcBef>
+              <a:buNone/>
+            </a:pPr>
+            <a:r>
+              <a:rPr lang="en-US" dirty="0"/>
+              <a:t>ovis-demo-01/meminfo: inconsistent, last update: Wed Dec 31 17:00:00 1969 -0700 [0us] </a:t>
+            </a:r>
+          </a:p>
+          <a:p>
+            <a:pPr marL="0" indent="0">
+              <a:lnSpc>
+                <a:spcPct val="120000"/>
+              </a:lnSpc>
+              <a:spcBef>
+                <a:spcPts val="0"/>
+              </a:spcBef>
+              <a:buNone/>
+            </a:pPr>
+            <a:r>
+              <a:rPr lang="en-US" dirty="0"/>
+              <a:t>M u64        </a:t>
+            </a:r>
+            <a:r>
+              <a:rPr lang="en-US" dirty="0" err="1"/>
+              <a:t>component_id</a:t>
+            </a:r>
+            <a:r>
+              <a:rPr lang="en-US" dirty="0"/>
+              <a:t>		62</a:t>
+            </a:r>
+          </a:p>
+          <a:p>
+            <a:pPr marL="0" indent="0">
+              <a:lnSpc>
+                <a:spcPct val="120000"/>
+              </a:lnSpc>
+              <a:spcBef>
+                <a:spcPts val="0"/>
+              </a:spcBef>
+              <a:buNone/>
+            </a:pPr>
+            <a:r>
+              <a:rPr lang="en-US" dirty="0"/>
+              <a:t>D u64        </a:t>
+            </a:r>
+            <a:r>
+              <a:rPr lang="en-US" dirty="0" err="1"/>
+              <a:t>job_id</a:t>
+            </a:r>
+            <a:r>
+              <a:rPr lang="en-US" dirty="0"/>
+              <a:t>			0</a:t>
+            </a:r>
+          </a:p>
+          <a:p>
+            <a:pPr marL="0" indent="0">
+              <a:lnSpc>
+                <a:spcPct val="120000"/>
+              </a:lnSpc>
+              <a:spcBef>
+                <a:spcPts val="0"/>
+              </a:spcBef>
+              <a:buNone/>
+            </a:pPr>
+            <a:r>
+              <a:rPr lang="en-US" dirty="0"/>
+              <a:t>D u64        </a:t>
+            </a:r>
+            <a:r>
+              <a:rPr lang="en-US" dirty="0" err="1"/>
+              <a:t>app_id</a:t>
+            </a:r>
+            <a:r>
+              <a:rPr lang="en-US" dirty="0"/>
+              <a:t>			0</a:t>
+            </a:r>
+          </a:p>
+          <a:p>
+            <a:pPr marL="0" indent="0">
+              <a:lnSpc>
+                <a:spcPct val="120000"/>
+              </a:lnSpc>
+              <a:spcBef>
+                <a:spcPts val="0"/>
+              </a:spcBef>
+              <a:buNone/>
+            </a:pPr>
+            <a:r>
+              <a:rPr lang="en-US" dirty="0"/>
+              <a:t>D u64        MemTotal		0</a:t>
+            </a:r>
+          </a:p>
+          <a:p>
+            <a:pPr marL="0" indent="0">
+              <a:lnSpc>
+                <a:spcPct val="120000"/>
+              </a:lnSpc>
+              <a:spcBef>
+                <a:spcPts val="0"/>
+              </a:spcBef>
+              <a:buNone/>
+            </a:pPr>
+            <a:r>
+              <a:rPr lang="en-US" dirty="0"/>
+              <a:t>D u64        MemFree		0</a:t>
+            </a:r>
+          </a:p>
+          <a:p>
+            <a:pPr marL="0" indent="0">
+              <a:lnSpc>
+                <a:spcPct val="120000"/>
+              </a:lnSpc>
+              <a:spcBef>
+                <a:spcPts val="0"/>
+              </a:spcBef>
+              <a:buNone/>
+            </a:pPr>
+            <a:r>
+              <a:rPr lang="en-US" dirty="0"/>
+              <a:t>D u64        MemAvailable		0</a:t>
+            </a:r>
+          </a:p>
+          <a:p>
+            <a:pPr marL="0" indent="0">
+              <a:lnSpc>
+                <a:spcPct val="120000"/>
+              </a:lnSpc>
+              <a:spcBef>
+                <a:spcPts val="0"/>
+              </a:spcBef>
+              <a:buNone/>
+            </a:pPr>
+            <a:r>
+              <a:rPr lang="en-US" dirty="0"/>
+              <a:t>D u64        Buffers			0</a:t>
+            </a:r>
+          </a:p>
+          <a:p>
+            <a:pPr marL="0" indent="0">
+              <a:lnSpc>
+                <a:spcPct val="120000"/>
+              </a:lnSpc>
+              <a:spcBef>
+                <a:spcPts val="0"/>
+              </a:spcBef>
+              <a:buNone/>
+            </a:pPr>
+            <a:r>
+              <a:rPr lang="en-US" dirty="0"/>
+              <a:t>D u64        Cached			0</a:t>
+            </a:r>
+          </a:p>
+          <a:p>
+            <a:pPr marL="0" indent="0">
+              <a:lnSpc>
+                <a:spcPct val="120000"/>
+              </a:lnSpc>
+              <a:spcBef>
+                <a:spcPts val="0"/>
+              </a:spcBef>
+              <a:buNone/>
+            </a:pPr>
+            <a:r>
+              <a:rPr lang="en-US" dirty="0"/>
+              <a:t>D u64        SwapCached		0</a:t>
+            </a:r>
+          </a:p>
+          <a:p>
+            <a:pPr marL="0" indent="0">
+              <a:lnSpc>
+                <a:spcPct val="120000"/>
+              </a:lnSpc>
+              <a:spcBef>
+                <a:spcPts val="0"/>
+              </a:spcBef>
+              <a:buNone/>
+            </a:pPr>
+            <a:r>
+              <a:rPr lang="en-US" dirty="0"/>
+              <a:t>D u64        Active			0</a:t>
+            </a:r>
+          </a:p>
+          <a:p>
+            <a:pPr marL="0" indent="0">
+              <a:lnSpc>
+                <a:spcPct val="120000"/>
+              </a:lnSpc>
+              <a:spcBef>
+                <a:spcPts val="0"/>
+              </a:spcBef>
+              <a:buNone/>
+            </a:pPr>
+            <a:r>
+              <a:rPr lang="en-US" dirty="0"/>
+              <a:t>D u64        Inactive 		0</a:t>
+            </a:r>
+          </a:p>
+          <a:p>
+            <a:pPr marL="0" indent="0">
+              <a:lnSpc>
+                <a:spcPct val="120000"/>
+              </a:lnSpc>
+              <a:spcBef>
+                <a:spcPts val="0"/>
+              </a:spcBef>
+              <a:buNone/>
+            </a:pPr>
+            <a:r>
+              <a:rPr lang="en-US" dirty="0"/>
+              <a:t>D u64        Active(anon)		0</a:t>
+            </a:r>
+          </a:p>
+          <a:p>
+            <a:pPr marL="0" indent="0">
+              <a:lnSpc>
+                <a:spcPct val="120000"/>
+              </a:lnSpc>
+              <a:spcBef>
+                <a:spcPts val="0"/>
+              </a:spcBef>
+              <a:buNone/>
+            </a:pPr>
+            <a:r>
+              <a:rPr lang="en-US" dirty="0"/>
+              <a:t>D u64        Inactive(anon)		0</a:t>
+            </a:r>
+          </a:p>
+          <a:p>
+            <a:pPr marL="0" indent="0">
+              <a:buNone/>
+            </a:pPr>
+            <a:endParaRPr lang="en-US" sz="1800" dirty="0"/>
+          </a:p>
+        </p:txBody>
+      </p:sp>
+      <p:sp>
+        <p:nvSpPr>
+          <p:cNvPr id="4" name="Rectangle 3"/>
+          <p:cNvSpPr/>
+          <p:nvPr/>
+        </p:nvSpPr>
+        <p:spPr>
+          <a:xfrm>
+            <a:off x="323850" y="1309125"/>
+            <a:ext cx="9804816" cy="562543"/>
+          </a:xfrm>
+          <a:prstGeom prst="rect">
+            <a:avLst/>
+          </a:prstGeom>
+          <a:noFill/>
+        </p:spPr>
+        <p:style>
+          <a:lnRef idx="2">
+            <a:schemeClr val="accent1">
+              <a:shade val="50000"/>
+            </a:schemeClr>
+          </a:lnRef>
+          <a:fillRef idx="1">
+            <a:schemeClr val="accent1"/>
+          </a:fillRef>
+          <a:effectRef idx="0">
+            <a:schemeClr val="accent1"/>
+          </a:effectRef>
+          <a:fontRef idx="minor">
+            <a:schemeClr val="lt1"/>
+          </a:fontRef>
+        </p:style>
+        <p:txBody>
+          <a:bodyPr rtlCol="0" anchor="ctr"/>
+          <a:lstStyle/>
+          <a:p>
+            <a:pPr algn="ctr"/>
+            <a:endParaRPr lang="en-US"/>
+          </a:p>
+        </p:txBody>
+      </p:sp>
+      <p:pic>
+        <p:nvPicPr>
+          <p:cNvPr id="5" name="Picture 4"/>
+          <p:cNvPicPr>
+            <a:picLocks noChangeAspect="1"/>
+          </p:cNvPicPr>
+          <p:nvPr/>
+        </p:nvPicPr>
+        <p:blipFill>
+          <a:blip r:embed="rId3">
+            <a:extLst>
+              <a:ext uri="{28A0092B-C50C-407E-A947-70E740481C1C}">
+                <a14:useLocalDpi xmlns:a14="http://schemas.microsoft.com/office/drawing/2010/main" val="0"/>
+              </a:ext>
+            </a:extLst>
+          </a:blip>
+          <a:stretch>
+            <a:fillRect/>
+          </a:stretch>
+        </p:blipFill>
+        <p:spPr>
+          <a:xfrm>
+            <a:off x="9808792" y="207535"/>
+            <a:ext cx="1036103" cy="418123"/>
+          </a:xfrm>
+          <a:prstGeom prst="rect">
+            <a:avLst/>
+          </a:prstGeom>
+        </p:spPr>
+      </p:pic>
+      <p:sp>
+        <p:nvSpPr>
+          <p:cNvPr id="6" name="Slide Number Placeholder 5"/>
+          <p:cNvSpPr>
+            <a:spLocks noGrp="1"/>
+          </p:cNvSpPr>
+          <p:nvPr>
+            <p:ph type="sldNum" sz="quarter" idx="12"/>
+          </p:nvPr>
+        </p:nvSpPr>
+        <p:spPr/>
+        <p:txBody>
+          <a:bodyPr/>
+          <a:lstStyle/>
+          <a:p>
+            <a:fld id="{D32B79E8-835A-4125-BB13-FA2D1ACF2803}" type="slidenum">
+              <a:rPr lang="en-US" smtClean="0"/>
+              <a:t>34</a:t>
+            </a:fld>
+            <a:endParaRPr lang="en-US"/>
+          </a:p>
+        </p:txBody>
+      </p:sp>
+      <p:sp>
+        <p:nvSpPr>
+          <p:cNvPr id="7" name="TextBox 6"/>
+          <p:cNvSpPr txBox="1"/>
+          <p:nvPr/>
+        </p:nvSpPr>
+        <p:spPr>
+          <a:xfrm flipH="1">
+            <a:off x="7125695" y="4891409"/>
+            <a:ext cx="2767979" cy="1015663"/>
+          </a:xfrm>
+          <a:prstGeom prst="rect">
+            <a:avLst/>
+          </a:prstGeom>
+          <a:noFill/>
+        </p:spPr>
+        <p:txBody>
+          <a:bodyPr wrap="square" rtlCol="0">
+            <a:spAutoFit/>
+          </a:bodyPr>
+          <a:lstStyle/>
+          <a:p>
+            <a:pPr marL="342900" indent="-342900">
+              <a:buFont typeface="Arial" panose="020B0604020202020204" pitchFamily="34" charset="0"/>
+              <a:buChar char="•"/>
+            </a:pPr>
+            <a:r>
+              <a:rPr lang="en-US" sz="2000" i="1" dirty="0">
+                <a:solidFill>
+                  <a:srgbClr val="FF0000"/>
+                </a:solidFill>
+              </a:rPr>
+              <a:t>Set is “inconsistent”</a:t>
+            </a:r>
+          </a:p>
+          <a:p>
+            <a:pPr marL="342900" indent="-342900">
+              <a:buFont typeface="Arial" panose="020B0604020202020204" pitchFamily="34" charset="0"/>
+              <a:buChar char="•"/>
+            </a:pPr>
+            <a:r>
+              <a:rPr lang="en-US" sz="2000" i="1" dirty="0">
+                <a:solidFill>
+                  <a:srgbClr val="FF0000"/>
+                </a:solidFill>
+              </a:rPr>
+              <a:t>Values have not yet been collected</a:t>
+            </a:r>
+          </a:p>
+        </p:txBody>
+      </p:sp>
+    </p:spTree>
+    <p:extLst>
+      <p:ext uri="{BB962C8B-B14F-4D97-AF65-F5344CB8AC3E}">
+        <p14:creationId xmlns:p14="http://schemas.microsoft.com/office/powerpoint/2010/main" val="2784817633"/>
+      </p:ext>
+    </p:extLst>
+  </p:cSld>
+  <p:clrMapOvr>
+    <a:masterClrMapping/>
+  </p:clrMapOvr>
+</p:sld>
+</file>
+
+<file path=ppt/slides/slide35.xml><?xml version="1.0" encoding="utf-8"?>
+<p:sld xmlns:a="http://schemas.openxmlformats.org/drawingml/2006/main" xmlns:r="http://schemas.openxmlformats.org/officeDocument/2006/relationships" xmlns:p="http://schemas.openxmlformats.org/presentationml/2006/main">
+  <p:cSld>
+    <p:spTree>
+      <p:nvGrpSpPr>
+        <p:cNvPr id="1" name=""/>
+        <p:cNvGrpSpPr/>
+        <p:nvPr/>
+      </p:nvGrpSpPr>
+      <p:grpSpPr>
+        <a:xfrm>
+          <a:off x="0" y="0"/>
+          <a:ext cx="0" cy="0"/>
+          <a:chOff x="0" y="0"/>
+          <a:chExt cx="0" cy="0"/>
+        </a:xfrm>
+      </p:grpSpPr>
+      <p:sp>
+        <p:nvSpPr>
+          <p:cNvPr id="2" name="Title 1"/>
+          <p:cNvSpPr>
+            <a:spLocks noGrp="1"/>
+          </p:cNvSpPr>
+          <p:nvPr>
+            <p:ph type="title"/>
+          </p:nvPr>
+        </p:nvSpPr>
+        <p:spPr>
+          <a:xfrm>
             <a:off x="415290" y="150995"/>
             <a:ext cx="10515600" cy="949325"/>
           </a:xfrm>
@@ -27310,7 +27815,7 @@
           <a:p>
             <a:fld id="{D32B79E8-835A-4125-BB13-FA2D1ACF2803}" type="slidenum">
               <a:rPr lang="en-US" smtClean="0"/>
-              <a:t>34</a:t>
+              <a:t>35</a:t>
             </a:fld>
             <a:endParaRPr lang="en-US"/>
           </a:p>
@@ -27320,542 +27825,6 @@
     <p:extLst>
       <p:ext uri="{BB962C8B-B14F-4D97-AF65-F5344CB8AC3E}">
         <p14:creationId xmlns:p14="http://schemas.microsoft.com/office/powerpoint/2010/main" val="3603445430"/>
-      </p:ext>
-    </p:extLst>
-  </p:cSld>
-  <p:clrMapOvr>
-    <a:masterClrMapping/>
-  </p:clrMapOvr>
-</p:sld>
-</file>
-
-<file path=ppt/slides/slide35.xml><?xml version="1.0" encoding="utf-8"?>
-<p:sld xmlns:a="http://schemas.openxmlformats.org/drawingml/2006/main" xmlns:r="http://schemas.openxmlformats.org/officeDocument/2006/relationships" xmlns:p="http://schemas.openxmlformats.org/presentationml/2006/main">
-  <p:cSld>
-    <p:spTree>
-      <p:nvGrpSpPr>
-        <p:cNvPr id="1" name=""/>
-        <p:cNvGrpSpPr/>
-        <p:nvPr/>
-      </p:nvGrpSpPr>
-      <p:grpSpPr>
-        <a:xfrm>
-          <a:off x="0" y="0"/>
-          <a:ext cx="0" cy="0"/>
-          <a:chOff x="0" y="0"/>
-          <a:chExt cx="0" cy="0"/>
-        </a:xfrm>
-      </p:grpSpPr>
-      <p:sp>
-        <p:nvSpPr>
-          <p:cNvPr id="2" name="Title 1"/>
-          <p:cNvSpPr>
-            <a:spLocks noGrp="1"/>
-          </p:cNvSpPr>
-          <p:nvPr>
-            <p:ph type="title"/>
-          </p:nvPr>
-        </p:nvSpPr>
-        <p:spPr>
-          <a:xfrm>
-            <a:off x="323850" y="207535"/>
-            <a:ext cx="9569824" cy="939240"/>
-          </a:xfrm>
-        </p:spPr>
-        <p:txBody>
-          <a:bodyPr>
-            <a:noAutofit/>
-          </a:bodyPr>
-          <a:lstStyle/>
-          <a:p>
-            <a:r>
-              <a:rPr lang="en-US" sz="4000" dirty="0">
-                <a:solidFill>
-                  <a:srgbClr val="0070C0"/>
-                </a:solidFill>
-                <a:latin typeface="+mn-lt"/>
-              </a:rPr>
-              <a:t>Query Current Metric Values Before Starting The “meminfo” Sampler Plugin</a:t>
-            </a:r>
-          </a:p>
-        </p:txBody>
-      </p:sp>
-      <p:sp>
-        <p:nvSpPr>
-          <p:cNvPr id="3" name="Content Placeholder 2"/>
-          <p:cNvSpPr>
-            <a:spLocks noGrp="1"/>
-          </p:cNvSpPr>
-          <p:nvPr>
-            <p:ph idx="1"/>
-          </p:nvPr>
-        </p:nvSpPr>
-        <p:spPr>
-          <a:xfrm>
-            <a:off x="329295" y="1458759"/>
-            <a:ext cx="10515600" cy="5181571"/>
-          </a:xfrm>
-        </p:spPr>
-        <p:txBody>
-          <a:bodyPr>
-            <a:normAutofit fontScale="70000" lnSpcReduction="20000"/>
-          </a:bodyPr>
-          <a:lstStyle/>
-          <a:p>
-            <a:pPr marL="0" indent="0">
-              <a:buNone/>
-            </a:pPr>
-            <a:r>
-              <a:rPr lang="en-US" sz="2900" dirty="0">
-                <a:solidFill>
-                  <a:srgbClr val="6060FF"/>
-                </a:solidFill>
-              </a:rPr>
-              <a:t> </a:t>
-            </a:r>
-            <a:r>
-              <a:rPr lang="en-US" sz="4000" dirty="0">
-                <a:solidFill>
-                  <a:srgbClr val="6060FF"/>
-                </a:solidFill>
-              </a:rPr>
-              <a:t>$ </a:t>
-            </a:r>
-            <a:r>
-              <a:rPr lang="en-US" sz="4000" dirty="0">
-                <a:solidFill>
-                  <a:prstClr val="black"/>
-                </a:solidFill>
-              </a:rPr>
-              <a:t>ldms_ls -x sock -p 10001 </a:t>
-            </a:r>
-            <a:r>
-              <a:rPr lang="en-US" sz="4000" dirty="0">
-                <a:solidFill>
-                  <a:srgbClr val="0070C0"/>
-                </a:solidFill>
-              </a:rPr>
-              <a:t>-l </a:t>
-            </a:r>
-            <a:r>
-              <a:rPr lang="en-US" sz="4000" dirty="0">
-                <a:solidFill>
-                  <a:schemeClr val="accent1"/>
-                </a:solidFill>
-              </a:rPr>
-              <a:t>ovis-demo-01</a:t>
-            </a:r>
-            <a:r>
-              <a:rPr lang="en-US" sz="4000" dirty="0">
-                <a:solidFill>
-                  <a:srgbClr val="0070C0"/>
-                </a:solidFill>
-              </a:rPr>
-              <a:t>/meminfo</a:t>
-            </a:r>
-          </a:p>
-          <a:p>
-            <a:pPr marL="0" indent="0">
-              <a:buNone/>
-            </a:pPr>
-            <a:endParaRPr lang="en-US" dirty="0">
-              <a:solidFill>
-                <a:prstClr val="black"/>
-              </a:solidFill>
-              <a:latin typeface="Lucida Console" panose="020B0609040504020204" pitchFamily="49" charset="0"/>
-            </a:endParaRPr>
-          </a:p>
-          <a:p>
-            <a:pPr marL="0" indent="0">
-              <a:lnSpc>
-                <a:spcPct val="120000"/>
-              </a:lnSpc>
-              <a:spcBef>
-                <a:spcPts val="0"/>
-              </a:spcBef>
-              <a:buNone/>
-            </a:pPr>
-            <a:r>
-              <a:rPr lang="en-US" dirty="0"/>
-              <a:t>ovis-demo-01/meminfo: inconsistent, last update: Wed Dec 31 17:00:00 1969 -0700 [0us] </a:t>
-            </a:r>
-          </a:p>
-          <a:p>
-            <a:pPr marL="0" indent="0">
-              <a:lnSpc>
-                <a:spcPct val="120000"/>
-              </a:lnSpc>
-              <a:spcBef>
-                <a:spcPts val="0"/>
-              </a:spcBef>
-              <a:buNone/>
-            </a:pPr>
-            <a:r>
-              <a:rPr lang="en-US" dirty="0"/>
-              <a:t>M u64        </a:t>
-            </a:r>
-            <a:r>
-              <a:rPr lang="en-US" dirty="0" err="1"/>
-              <a:t>component_id</a:t>
-            </a:r>
-            <a:r>
-              <a:rPr lang="en-US" dirty="0"/>
-              <a:t>		62</a:t>
-            </a:r>
-          </a:p>
-          <a:p>
-            <a:pPr marL="0" indent="0">
-              <a:lnSpc>
-                <a:spcPct val="120000"/>
-              </a:lnSpc>
-              <a:spcBef>
-                <a:spcPts val="0"/>
-              </a:spcBef>
-              <a:buNone/>
-            </a:pPr>
-            <a:r>
-              <a:rPr lang="en-US" dirty="0"/>
-              <a:t>D u64        </a:t>
-            </a:r>
-            <a:r>
-              <a:rPr lang="en-US" dirty="0" err="1"/>
-              <a:t>job_id</a:t>
-            </a:r>
-            <a:r>
-              <a:rPr lang="en-US" dirty="0"/>
-              <a:t>			0</a:t>
-            </a:r>
-          </a:p>
-          <a:p>
-            <a:pPr marL="0" indent="0">
-              <a:lnSpc>
-                <a:spcPct val="120000"/>
-              </a:lnSpc>
-              <a:spcBef>
-                <a:spcPts val="0"/>
-              </a:spcBef>
-              <a:buNone/>
-            </a:pPr>
-            <a:r>
-              <a:rPr lang="en-US" dirty="0"/>
-              <a:t>D u64        </a:t>
-            </a:r>
-            <a:r>
-              <a:rPr lang="en-US" dirty="0" err="1"/>
-              <a:t>app_id</a:t>
-            </a:r>
-            <a:r>
-              <a:rPr lang="en-US" dirty="0"/>
-              <a:t>			0</a:t>
-            </a:r>
-          </a:p>
-          <a:p>
-            <a:pPr marL="0" indent="0">
-              <a:lnSpc>
-                <a:spcPct val="120000"/>
-              </a:lnSpc>
-              <a:spcBef>
-                <a:spcPts val="0"/>
-              </a:spcBef>
-              <a:buNone/>
-            </a:pPr>
-            <a:r>
-              <a:rPr lang="en-US" dirty="0"/>
-              <a:t>D u64        MemTotal		0</a:t>
-            </a:r>
-          </a:p>
-          <a:p>
-            <a:pPr marL="0" indent="0">
-              <a:lnSpc>
-                <a:spcPct val="120000"/>
-              </a:lnSpc>
-              <a:spcBef>
-                <a:spcPts val="0"/>
-              </a:spcBef>
-              <a:buNone/>
-            </a:pPr>
-            <a:r>
-              <a:rPr lang="en-US" dirty="0"/>
-              <a:t>D u64        MemFree		0</a:t>
-            </a:r>
-          </a:p>
-          <a:p>
-            <a:pPr marL="0" indent="0">
-              <a:lnSpc>
-                <a:spcPct val="120000"/>
-              </a:lnSpc>
-              <a:spcBef>
-                <a:spcPts val="0"/>
-              </a:spcBef>
-              <a:buNone/>
-            </a:pPr>
-            <a:r>
-              <a:rPr lang="en-US" dirty="0"/>
-              <a:t>D u64        MemAvailable		0</a:t>
-            </a:r>
-          </a:p>
-          <a:p>
-            <a:pPr marL="0" indent="0">
-              <a:lnSpc>
-                <a:spcPct val="120000"/>
-              </a:lnSpc>
-              <a:spcBef>
-                <a:spcPts val="0"/>
-              </a:spcBef>
-              <a:buNone/>
-            </a:pPr>
-            <a:r>
-              <a:rPr lang="en-US" dirty="0"/>
-              <a:t>D u64        Buffers			0</a:t>
-            </a:r>
-          </a:p>
-          <a:p>
-            <a:pPr marL="0" indent="0">
-              <a:lnSpc>
-                <a:spcPct val="120000"/>
-              </a:lnSpc>
-              <a:spcBef>
-                <a:spcPts val="0"/>
-              </a:spcBef>
-              <a:buNone/>
-            </a:pPr>
-            <a:r>
-              <a:rPr lang="en-US" dirty="0"/>
-              <a:t>D u64        Cached			0</a:t>
-            </a:r>
-          </a:p>
-          <a:p>
-            <a:pPr marL="0" indent="0">
-              <a:lnSpc>
-                <a:spcPct val="120000"/>
-              </a:lnSpc>
-              <a:spcBef>
-                <a:spcPts val="0"/>
-              </a:spcBef>
-              <a:buNone/>
-            </a:pPr>
-            <a:r>
-              <a:rPr lang="en-US" dirty="0"/>
-              <a:t>D u64        SwapCached		0</a:t>
-            </a:r>
-          </a:p>
-          <a:p>
-            <a:pPr marL="0" indent="0">
-              <a:lnSpc>
-                <a:spcPct val="120000"/>
-              </a:lnSpc>
-              <a:spcBef>
-                <a:spcPts val="0"/>
-              </a:spcBef>
-              <a:buNone/>
-            </a:pPr>
-            <a:r>
-              <a:rPr lang="en-US" dirty="0"/>
-              <a:t>D u64        Active			0</a:t>
-            </a:r>
-          </a:p>
-          <a:p>
-            <a:pPr marL="0" indent="0">
-              <a:lnSpc>
-                <a:spcPct val="120000"/>
-              </a:lnSpc>
-              <a:spcBef>
-                <a:spcPts val="0"/>
-              </a:spcBef>
-              <a:buNone/>
-            </a:pPr>
-            <a:r>
-              <a:rPr lang="en-US" dirty="0"/>
-              <a:t>D u64        Inactive 		0</a:t>
-            </a:r>
-          </a:p>
-          <a:p>
-            <a:pPr marL="0" indent="0">
-              <a:lnSpc>
-                <a:spcPct val="120000"/>
-              </a:lnSpc>
-              <a:spcBef>
-                <a:spcPts val="0"/>
-              </a:spcBef>
-              <a:buNone/>
-            </a:pPr>
-            <a:r>
-              <a:rPr lang="en-US" dirty="0"/>
-              <a:t>D u64        Active(anon)		0</a:t>
-            </a:r>
-          </a:p>
-          <a:p>
-            <a:pPr marL="0" indent="0">
-              <a:lnSpc>
-                <a:spcPct val="120000"/>
-              </a:lnSpc>
-              <a:spcBef>
-                <a:spcPts val="0"/>
-              </a:spcBef>
-              <a:buNone/>
-            </a:pPr>
-            <a:r>
-              <a:rPr lang="en-US" dirty="0"/>
-              <a:t>D u64        Inactive(anon)		0</a:t>
-            </a:r>
-          </a:p>
-          <a:p>
-            <a:pPr marL="0" indent="0">
-              <a:buNone/>
-            </a:pPr>
-            <a:endParaRPr lang="en-US" sz="1800" dirty="0"/>
-          </a:p>
-        </p:txBody>
-      </p:sp>
-      <p:sp>
-        <p:nvSpPr>
-          <p:cNvPr id="4" name="Rectangle 3"/>
-          <p:cNvSpPr/>
-          <p:nvPr/>
-        </p:nvSpPr>
-        <p:spPr>
-          <a:xfrm>
-            <a:off x="323850" y="1309125"/>
-            <a:ext cx="9804816" cy="562543"/>
-          </a:xfrm>
-          <a:prstGeom prst="rect">
-            <a:avLst/>
-          </a:prstGeom>
-          <a:noFill/>
-        </p:spPr>
-        <p:style>
-          <a:lnRef idx="2">
-            <a:schemeClr val="accent1">
-              <a:shade val="50000"/>
-            </a:schemeClr>
-          </a:lnRef>
-          <a:fillRef idx="1">
-            <a:schemeClr val="accent1"/>
-          </a:fillRef>
-          <a:effectRef idx="0">
-            <a:schemeClr val="accent1"/>
-          </a:effectRef>
-          <a:fontRef idx="minor">
-            <a:schemeClr val="lt1"/>
-          </a:fontRef>
-        </p:style>
-        <p:txBody>
-          <a:bodyPr rtlCol="0" anchor="ctr"/>
-          <a:lstStyle/>
-          <a:p>
-            <a:pPr algn="ctr"/>
-            <a:endParaRPr lang="en-US"/>
-          </a:p>
-        </p:txBody>
-      </p:sp>
-      <p:pic>
-        <p:nvPicPr>
-          <p:cNvPr id="5" name="Picture 4"/>
-          <p:cNvPicPr>
-            <a:picLocks noChangeAspect="1"/>
-          </p:cNvPicPr>
-          <p:nvPr/>
-        </p:nvPicPr>
-        <p:blipFill>
-          <a:blip r:embed="rId3">
-            <a:extLst>
-              <a:ext uri="{28A0092B-C50C-407E-A947-70E740481C1C}">
-                <a14:useLocalDpi xmlns:a14="http://schemas.microsoft.com/office/drawing/2010/main" val="0"/>
-              </a:ext>
-            </a:extLst>
-          </a:blip>
-          <a:stretch>
-            <a:fillRect/>
-          </a:stretch>
-        </p:blipFill>
-        <p:spPr>
-          <a:xfrm>
-            <a:off x="9808792" y="207535"/>
-            <a:ext cx="1036103" cy="418123"/>
-          </a:xfrm>
-          <a:prstGeom prst="rect">
-            <a:avLst/>
-          </a:prstGeom>
-        </p:spPr>
-      </p:pic>
-      <p:sp>
-        <p:nvSpPr>
-          <p:cNvPr id="6" name="Slide Number Placeholder 5"/>
-          <p:cNvSpPr>
-            <a:spLocks noGrp="1"/>
-          </p:cNvSpPr>
-          <p:nvPr>
-            <p:ph type="sldNum" sz="quarter" idx="12"/>
-          </p:nvPr>
-        </p:nvSpPr>
-        <p:spPr/>
-        <p:txBody>
-          <a:bodyPr/>
-          <a:lstStyle/>
-          <a:p>
-            <a:fld id="{D32B79E8-835A-4125-BB13-FA2D1ACF2803}" type="slidenum">
-              <a:rPr lang="en-US" smtClean="0"/>
-              <a:t>35</a:t>
-            </a:fld>
-            <a:endParaRPr lang="en-US"/>
-          </a:p>
-        </p:txBody>
-      </p:sp>
-      <p:sp>
-        <p:nvSpPr>
-          <p:cNvPr id="7" name="TextBox 6"/>
-          <p:cNvSpPr txBox="1"/>
-          <p:nvPr/>
-        </p:nvSpPr>
-        <p:spPr>
-          <a:xfrm flipH="1">
-            <a:off x="7125695" y="4891409"/>
-            <a:ext cx="2767979" cy="1015663"/>
-          </a:xfrm>
-          <a:prstGeom prst="rect">
-            <a:avLst/>
-          </a:prstGeom>
-          <a:noFill/>
-        </p:spPr>
-        <p:txBody>
-          <a:bodyPr wrap="square" rtlCol="0">
-            <a:spAutoFit/>
-          </a:bodyPr>
-          <a:lstStyle/>
-          <a:p>
-            <a:pPr marL="342900" indent="-342900">
-              <a:buFont typeface="Arial" panose="020B0604020202020204" pitchFamily="34" charset="0"/>
-              <a:buChar char="•"/>
-            </a:pPr>
-            <a:r>
-              <a:rPr lang="en-US" sz="2000" i="1" dirty="0">
-                <a:solidFill>
-                  <a:srgbClr val="FF0000"/>
-                </a:solidFill>
-              </a:rPr>
-              <a:t>Set is “inconsistent”</a:t>
-            </a:r>
-          </a:p>
-          <a:p>
-            <a:pPr marL="342900" indent="-342900">
-              <a:buFont typeface="Arial" panose="020B0604020202020204" pitchFamily="34" charset="0"/>
-              <a:buChar char="•"/>
-            </a:pPr>
-            <a:r>
-              <a:rPr lang="en-US" sz="2000" i="1" dirty="0">
-                <a:solidFill>
-                  <a:srgbClr val="FF0000"/>
-                </a:solidFill>
-              </a:rPr>
-              <a:t>Values have not yet been collected</a:t>
-            </a:r>
-          </a:p>
-        </p:txBody>
-      </p:sp>
-    </p:spTree>
-    <p:extLst>
-      <p:ext uri="{BB962C8B-B14F-4D97-AF65-F5344CB8AC3E}">
-        <p14:creationId xmlns:p14="http://schemas.microsoft.com/office/powerpoint/2010/main" val="2784817633"/>
       </p:ext>
     </p:extLst>
   </p:cSld>
@@ -33025,7 +32994,7 @@
               <a:effectLst/>
               <a:extLst>
                 <a:ext uri="{C572A759-6A51-4108-AA02-DFA0A04FC94B}">
-                  <ma14:wrappingTextBoxFlag xmlns:ma14="http://schemas.microsoft.com/office/mac/drawingml/2011/main" xmlns="" val="1"/>
+                  <ma14:wrappingTextBoxFlag xmlns="" xmlns:ma14="http://schemas.microsoft.com/office/mac/drawingml/2011/main" val="1"/>
                 </a:ext>
               </a:extLst>
             </p:spPr>
@@ -33139,7 +33108,7 @@
               <a:effectLst/>
               <a:extLst>
                 <a:ext uri="{C572A759-6A51-4108-AA02-DFA0A04FC94B}">
-                  <ma14:wrappingTextBoxFlag xmlns:ma14="http://schemas.microsoft.com/office/mac/drawingml/2011/main" xmlns="" val="1"/>
+                  <ma14:wrappingTextBoxFlag xmlns="" xmlns:ma14="http://schemas.microsoft.com/office/mac/drawingml/2011/main" val="1"/>
                 </a:ext>
               </a:extLst>
             </p:spPr>
@@ -33216,7 +33185,7 @@
             </a:ln>
             <a:extLst>
               <a:ext uri="{C572A759-6A51-4108-AA02-DFA0A04FC94B}">
-                <ma14:wrappingTextBoxFlag xmlns:ma14="http://schemas.microsoft.com/office/mac/drawingml/2011/main" xmlns="" val="1"/>
+                <ma14:wrappingTextBoxFlag xmlns="" xmlns:ma14="http://schemas.microsoft.com/office/mac/drawingml/2011/main" val="1"/>
               </a:ext>
             </a:extLst>
           </p:spPr>
@@ -33330,7 +33299,7 @@
               <a:effectLst/>
               <a:extLst>
                 <a:ext uri="{C572A759-6A51-4108-AA02-DFA0A04FC94B}">
-                  <ma14:wrappingTextBoxFlag xmlns:ma14="http://schemas.microsoft.com/office/mac/drawingml/2011/main" xmlns="" val="1"/>
+                  <ma14:wrappingTextBoxFlag xmlns="" xmlns:ma14="http://schemas.microsoft.com/office/mac/drawingml/2011/main" val="1"/>
                 </a:ext>
               </a:extLst>
             </p:spPr>
@@ -33407,7 +33376,7 @@
             </a:ln>
             <a:extLst>
               <a:ext uri="{C572A759-6A51-4108-AA02-DFA0A04FC94B}">
-                <ma14:wrappingTextBoxFlag xmlns:ma14="http://schemas.microsoft.com/office/mac/drawingml/2011/main" xmlns="" val="1"/>
+                <ma14:wrappingTextBoxFlag xmlns="" xmlns:ma14="http://schemas.microsoft.com/office/mac/drawingml/2011/main" val="1"/>
               </a:ext>
             </a:extLst>
           </p:spPr>
@@ -33510,7 +33479,7 @@
               <a:effectLst/>
               <a:extLst>
                 <a:ext uri="{C572A759-6A51-4108-AA02-DFA0A04FC94B}">
-                  <ma14:wrappingTextBoxFlag xmlns:ma14="http://schemas.microsoft.com/office/mac/drawingml/2011/main" xmlns="" val="1"/>
+                  <ma14:wrappingTextBoxFlag xmlns="" xmlns:ma14="http://schemas.microsoft.com/office/mac/drawingml/2011/main" val="1"/>
                 </a:ext>
               </a:extLst>
             </p:spPr>
@@ -33614,7 +33583,7 @@
               <a:effectLst/>
               <a:extLst>
                 <a:ext uri="{C572A759-6A51-4108-AA02-DFA0A04FC94B}">
-                  <ma14:wrappingTextBoxFlag xmlns:ma14="http://schemas.microsoft.com/office/mac/drawingml/2011/main" xmlns="" val="1"/>
+                  <ma14:wrappingTextBoxFlag xmlns="" xmlns:ma14="http://schemas.microsoft.com/office/mac/drawingml/2011/main" val="1"/>
                 </a:ext>
               </a:extLst>
             </p:spPr>
@@ -33731,7 +33700,7 @@
               <a:effectLst/>
               <a:extLst>
                 <a:ext uri="{C572A759-6A51-4108-AA02-DFA0A04FC94B}">
-                  <ma14:wrappingTextBoxFlag xmlns:ma14="http://schemas.microsoft.com/office/mac/drawingml/2011/main" xmlns="" val="1"/>
+                  <ma14:wrappingTextBoxFlag xmlns="" xmlns:ma14="http://schemas.microsoft.com/office/mac/drawingml/2011/main" val="1"/>
                 </a:ext>
               </a:extLst>
             </p:spPr>
@@ -33846,7 +33815,7 @@
               <a:effectLst/>
               <a:extLst>
                 <a:ext uri="{C572A759-6A51-4108-AA02-DFA0A04FC94B}">
-                  <ma14:wrappingTextBoxFlag xmlns:ma14="http://schemas.microsoft.com/office/mac/drawingml/2011/main" xmlns="" val="1"/>
+                  <ma14:wrappingTextBoxFlag xmlns="" xmlns:ma14="http://schemas.microsoft.com/office/mac/drawingml/2011/main" val="1"/>
                 </a:ext>
               </a:extLst>
             </p:spPr>
@@ -34182,7 +34151,7 @@
             </a:ln>
             <a:extLst>
               <a:ext uri="{C572A759-6A51-4108-AA02-DFA0A04FC94B}">
-                <ma14:wrappingTextBoxFlag xmlns:ma14="http://schemas.microsoft.com/office/mac/drawingml/2011/main" xmlns="" val="1"/>
+                <ma14:wrappingTextBoxFlag xmlns="" xmlns:ma14="http://schemas.microsoft.com/office/mac/drawingml/2011/main" val="1"/>
               </a:ext>
             </a:extLst>
           </p:spPr>
@@ -34296,7 +34265,7 @@
               <a:effectLst/>
               <a:extLst>
                 <a:ext uri="{C572A759-6A51-4108-AA02-DFA0A04FC94B}">
-                  <ma14:wrappingTextBoxFlag xmlns:ma14="http://schemas.microsoft.com/office/mac/drawingml/2011/main" xmlns="" val="1"/>
+                  <ma14:wrappingTextBoxFlag xmlns="" xmlns:ma14="http://schemas.microsoft.com/office/mac/drawingml/2011/main" val="1"/>
                 </a:ext>
               </a:extLst>
             </p:spPr>
@@ -34390,7 +34359,7 @@
               <a:effectLst/>
               <a:extLst>
                 <a:ext uri="{C572A759-6A51-4108-AA02-DFA0A04FC94B}">
-                  <ma14:wrappingTextBoxFlag xmlns:ma14="http://schemas.microsoft.com/office/mac/drawingml/2011/main" xmlns="" val="1"/>
+                  <ma14:wrappingTextBoxFlag xmlns="" xmlns:ma14="http://schemas.microsoft.com/office/mac/drawingml/2011/main" val="1"/>
                 </a:ext>
               </a:extLst>
             </p:spPr>
@@ -34485,7 +34454,7 @@
               <a:effectLst/>
               <a:extLst>
                 <a:ext uri="{C572A759-6A51-4108-AA02-DFA0A04FC94B}">
-                  <ma14:wrappingTextBoxFlag xmlns:ma14="http://schemas.microsoft.com/office/mac/drawingml/2011/main" xmlns="" val="1"/>
+                  <ma14:wrappingTextBoxFlag xmlns="" xmlns:ma14="http://schemas.microsoft.com/office/mac/drawingml/2011/main" val="1"/>
                 </a:ext>
               </a:extLst>
             </p:spPr>
@@ -34580,7 +34549,7 @@
               <a:effectLst/>
               <a:extLst>
                 <a:ext uri="{C572A759-6A51-4108-AA02-DFA0A04FC94B}">
-                  <ma14:wrappingTextBoxFlag xmlns:ma14="http://schemas.microsoft.com/office/mac/drawingml/2011/main" xmlns="" val="1"/>
+                  <ma14:wrappingTextBoxFlag xmlns="" xmlns:ma14="http://schemas.microsoft.com/office/mac/drawingml/2011/main" val="1"/>
                 </a:ext>
               </a:extLst>
             </p:spPr>
@@ -34674,7 +34643,7 @@
               <a:effectLst/>
               <a:extLst>
                 <a:ext uri="{C572A759-6A51-4108-AA02-DFA0A04FC94B}">
-                  <ma14:wrappingTextBoxFlag xmlns:ma14="http://schemas.microsoft.com/office/mac/drawingml/2011/main" xmlns="" val="1"/>
+                  <ma14:wrappingTextBoxFlag xmlns="" xmlns:ma14="http://schemas.microsoft.com/office/mac/drawingml/2011/main" val="1"/>
                 </a:ext>
               </a:extLst>
             </p:spPr>
@@ -34756,7 +34725,7 @@
             </a:ln>
             <a:extLst>
               <a:ext uri="{C572A759-6A51-4108-AA02-DFA0A04FC94B}">
-                <ma14:wrappingTextBoxFlag xmlns:ma14="http://schemas.microsoft.com/office/mac/drawingml/2011/main" xmlns="" val="1"/>
+                <ma14:wrappingTextBoxFlag xmlns="" xmlns:ma14="http://schemas.microsoft.com/office/mac/drawingml/2011/main" val="1"/>
               </a:ext>
             </a:extLst>
           </p:spPr>
@@ -34862,7 +34831,7 @@
               <a:effectLst/>
               <a:extLst>
                 <a:ext uri="{C572A759-6A51-4108-AA02-DFA0A04FC94B}">
-                  <ma14:wrappingTextBoxFlag xmlns:ma14="http://schemas.microsoft.com/office/mac/drawingml/2011/main" xmlns="" val="1"/>
+                  <ma14:wrappingTextBoxFlag xmlns="" xmlns:ma14="http://schemas.microsoft.com/office/mac/drawingml/2011/main" val="1"/>
                 </a:ext>
               </a:extLst>
             </p:spPr>
@@ -35103,7 +35072,7 @@
           <a:effectLst/>
           <a:extLst>
             <a:ext uri="{C572A759-6A51-4108-AA02-DFA0A04FC94B}">
-              <ma14:wrappingTextBoxFlag xmlns:ma14="http://schemas.microsoft.com/office/mac/drawingml/2011/main" xmlns="" val="1"/>
+              <ma14:wrappingTextBoxFlag xmlns="" xmlns:ma14="http://schemas.microsoft.com/office/mac/drawingml/2011/main" val="1"/>
             </a:ext>
           </a:extLst>
         </p:spPr>
@@ -35199,7 +35168,7 @@
           <a:effectLst/>
           <a:extLst>
             <a:ext uri="{C572A759-6A51-4108-AA02-DFA0A04FC94B}">
-              <ma14:wrappingTextBoxFlag xmlns:ma14="http://schemas.microsoft.com/office/mac/drawingml/2011/main" xmlns="" val="1"/>
+              <ma14:wrappingTextBoxFlag xmlns="" xmlns:ma14="http://schemas.microsoft.com/office/mac/drawingml/2011/main" val="1"/>
             </a:ext>
           </a:extLst>
         </p:spPr>
@@ -35295,7 +35264,7 @@
           <a:effectLst/>
           <a:extLst>
             <a:ext uri="{C572A759-6A51-4108-AA02-DFA0A04FC94B}">
-              <ma14:wrappingTextBoxFlag xmlns:ma14="http://schemas.microsoft.com/office/mac/drawingml/2011/main" xmlns="" val="1"/>
+              <ma14:wrappingTextBoxFlag xmlns="" xmlns:ma14="http://schemas.microsoft.com/office/mac/drawingml/2011/main" val="1"/>
             </a:ext>
           </a:extLst>
         </p:spPr>
@@ -35391,7 +35360,7 @@
           <a:effectLst/>
           <a:extLst>
             <a:ext uri="{C572A759-6A51-4108-AA02-DFA0A04FC94B}">
-              <ma14:wrappingTextBoxFlag xmlns:ma14="http://schemas.microsoft.com/office/mac/drawingml/2011/main" xmlns="" val="1"/>
+              <ma14:wrappingTextBoxFlag xmlns="" xmlns:ma14="http://schemas.microsoft.com/office/mac/drawingml/2011/main" val="1"/>
             </a:ext>
           </a:extLst>
         </p:spPr>
@@ -44144,7 +44113,7 @@
               <a:effectLst/>
               <a:extLst>
                 <a:ext uri="{C572A759-6A51-4108-AA02-DFA0A04FC94B}">
-                  <ma14:wrappingTextBoxFlag xmlns:ma14="http://schemas.microsoft.com/office/mac/drawingml/2011/main" xmlns="" val="1"/>
+                  <ma14:wrappingTextBoxFlag xmlns="" xmlns:ma14="http://schemas.microsoft.com/office/mac/drawingml/2011/main" val="1"/>
                 </a:ext>
               </a:extLst>
             </p:spPr>
@@ -44258,7 +44227,7 @@
               <a:effectLst/>
               <a:extLst>
                 <a:ext uri="{C572A759-6A51-4108-AA02-DFA0A04FC94B}">
-                  <ma14:wrappingTextBoxFlag xmlns:ma14="http://schemas.microsoft.com/office/mac/drawingml/2011/main" xmlns="" val="1"/>
+                  <ma14:wrappingTextBoxFlag xmlns="" xmlns:ma14="http://schemas.microsoft.com/office/mac/drawingml/2011/main" val="1"/>
                 </a:ext>
               </a:extLst>
             </p:spPr>
@@ -44335,7 +44304,7 @@
             </a:ln>
             <a:extLst>
               <a:ext uri="{C572A759-6A51-4108-AA02-DFA0A04FC94B}">
-                <ma14:wrappingTextBoxFlag xmlns:ma14="http://schemas.microsoft.com/office/mac/drawingml/2011/main" xmlns="" val="1"/>
+                <ma14:wrappingTextBoxFlag xmlns="" xmlns:ma14="http://schemas.microsoft.com/office/mac/drawingml/2011/main" val="1"/>
               </a:ext>
             </a:extLst>
           </p:spPr>
@@ -44449,7 +44418,7 @@
               <a:effectLst/>
               <a:extLst>
                 <a:ext uri="{C572A759-6A51-4108-AA02-DFA0A04FC94B}">
-                  <ma14:wrappingTextBoxFlag xmlns:ma14="http://schemas.microsoft.com/office/mac/drawingml/2011/main" xmlns="" val="1"/>
+                  <ma14:wrappingTextBoxFlag xmlns="" xmlns:ma14="http://schemas.microsoft.com/office/mac/drawingml/2011/main" val="1"/>
                 </a:ext>
               </a:extLst>
             </p:spPr>
@@ -44526,7 +44495,7 @@
             </a:ln>
             <a:extLst>
               <a:ext uri="{C572A759-6A51-4108-AA02-DFA0A04FC94B}">
-                <ma14:wrappingTextBoxFlag xmlns:ma14="http://schemas.microsoft.com/office/mac/drawingml/2011/main" xmlns="" val="1"/>
+                <ma14:wrappingTextBoxFlag xmlns="" xmlns:ma14="http://schemas.microsoft.com/office/mac/drawingml/2011/main" val="1"/>
               </a:ext>
             </a:extLst>
           </p:spPr>
@@ -44629,7 +44598,7 @@
               <a:effectLst/>
               <a:extLst>
                 <a:ext uri="{C572A759-6A51-4108-AA02-DFA0A04FC94B}">
-                  <ma14:wrappingTextBoxFlag xmlns:ma14="http://schemas.microsoft.com/office/mac/drawingml/2011/main" xmlns="" val="1"/>
+                  <ma14:wrappingTextBoxFlag xmlns="" xmlns:ma14="http://schemas.microsoft.com/office/mac/drawingml/2011/main" val="1"/>
                 </a:ext>
               </a:extLst>
             </p:spPr>
@@ -44733,7 +44702,7 @@
               <a:effectLst/>
               <a:extLst>
                 <a:ext uri="{C572A759-6A51-4108-AA02-DFA0A04FC94B}">
-                  <ma14:wrappingTextBoxFlag xmlns:ma14="http://schemas.microsoft.com/office/mac/drawingml/2011/main" xmlns="" val="1"/>
+                  <ma14:wrappingTextBoxFlag xmlns="" xmlns:ma14="http://schemas.microsoft.com/office/mac/drawingml/2011/main" val="1"/>
                 </a:ext>
               </a:extLst>
             </p:spPr>
@@ -44850,7 +44819,7 @@
               <a:effectLst/>
               <a:extLst>
                 <a:ext uri="{C572A759-6A51-4108-AA02-DFA0A04FC94B}">
-                  <ma14:wrappingTextBoxFlag xmlns:ma14="http://schemas.microsoft.com/office/mac/drawingml/2011/main" xmlns="" val="1"/>
+                  <ma14:wrappingTextBoxFlag xmlns="" xmlns:ma14="http://schemas.microsoft.com/office/mac/drawingml/2011/main" val="1"/>
                 </a:ext>
               </a:extLst>
             </p:spPr>
@@ -44965,7 +44934,7 @@
               <a:effectLst/>
               <a:extLst>
                 <a:ext uri="{C572A759-6A51-4108-AA02-DFA0A04FC94B}">
-                  <ma14:wrappingTextBoxFlag xmlns:ma14="http://schemas.microsoft.com/office/mac/drawingml/2011/main" xmlns="" val="1"/>
+                  <ma14:wrappingTextBoxFlag xmlns="" xmlns:ma14="http://schemas.microsoft.com/office/mac/drawingml/2011/main" val="1"/>
                 </a:ext>
               </a:extLst>
             </p:spPr>
@@ -45104,7 +45073,7 @@
               <a:effectLst/>
               <a:extLst>
                 <a:ext uri="{C572A759-6A51-4108-AA02-DFA0A04FC94B}">
-                  <ma14:wrappingTextBoxFlag xmlns:ma14="http://schemas.microsoft.com/office/mac/drawingml/2011/main" xmlns="" val="1"/>
+                  <ma14:wrappingTextBoxFlag xmlns="" xmlns:ma14="http://schemas.microsoft.com/office/mac/drawingml/2011/main" val="1"/>
                 </a:ext>
               </a:extLst>
             </p:spPr>
@@ -45203,7 +45172,7 @@
               <a:effectLst/>
               <a:extLst>
                 <a:ext uri="{C572A759-6A51-4108-AA02-DFA0A04FC94B}">
-                  <ma14:wrappingTextBoxFlag xmlns:ma14="http://schemas.microsoft.com/office/mac/drawingml/2011/main" xmlns="" val="1"/>
+                  <ma14:wrappingTextBoxFlag xmlns="" xmlns:ma14="http://schemas.microsoft.com/office/mac/drawingml/2011/main" val="1"/>
                 </a:ext>
               </a:extLst>
             </p:spPr>
@@ -45302,7 +45271,7 @@
               <a:effectLst/>
               <a:extLst>
                 <a:ext uri="{C572A759-6A51-4108-AA02-DFA0A04FC94B}">
-                  <ma14:wrappingTextBoxFlag xmlns:ma14="http://schemas.microsoft.com/office/mac/drawingml/2011/main" xmlns="" val="1"/>
+                  <ma14:wrappingTextBoxFlag xmlns="" xmlns:ma14="http://schemas.microsoft.com/office/mac/drawingml/2011/main" val="1"/>
                 </a:ext>
               </a:extLst>
             </p:spPr>
@@ -45401,7 +45370,7 @@
               <a:effectLst/>
               <a:extLst>
                 <a:ext uri="{C572A759-6A51-4108-AA02-DFA0A04FC94B}">
-                  <ma14:wrappingTextBoxFlag xmlns:ma14="http://schemas.microsoft.com/office/mac/drawingml/2011/main" xmlns="" val="1"/>
+                  <ma14:wrappingTextBoxFlag xmlns="" xmlns:ma14="http://schemas.microsoft.com/office/mac/drawingml/2011/main" val="1"/>
                 </a:ext>
               </a:extLst>
             </p:spPr>
@@ -45710,7 +45679,7 @@
             </a:ln>
             <a:extLst>
               <a:ext uri="{C572A759-6A51-4108-AA02-DFA0A04FC94B}">
-                <ma14:wrappingTextBoxFlag xmlns:ma14="http://schemas.microsoft.com/office/mac/drawingml/2011/main" xmlns="" val="1"/>
+                <ma14:wrappingTextBoxFlag xmlns="" xmlns:ma14="http://schemas.microsoft.com/office/mac/drawingml/2011/main" val="1"/>
               </a:ext>
             </a:extLst>
           </p:spPr>
@@ -45824,7 +45793,7 @@
               <a:effectLst/>
               <a:extLst>
                 <a:ext uri="{C572A759-6A51-4108-AA02-DFA0A04FC94B}">
-                  <ma14:wrappingTextBoxFlag xmlns:ma14="http://schemas.microsoft.com/office/mac/drawingml/2011/main" xmlns="" val="1"/>
+                  <ma14:wrappingTextBoxFlag xmlns="" xmlns:ma14="http://schemas.microsoft.com/office/mac/drawingml/2011/main" val="1"/>
                 </a:ext>
               </a:extLst>
             </p:spPr>
@@ -45918,7 +45887,7 @@
               <a:effectLst/>
               <a:extLst>
                 <a:ext uri="{C572A759-6A51-4108-AA02-DFA0A04FC94B}">
-                  <ma14:wrappingTextBoxFlag xmlns:ma14="http://schemas.microsoft.com/office/mac/drawingml/2011/main" xmlns="" val="1"/>
+                  <ma14:wrappingTextBoxFlag xmlns="" xmlns:ma14="http://schemas.microsoft.com/office/mac/drawingml/2011/main" val="1"/>
                 </a:ext>
               </a:extLst>
             </p:spPr>
@@ -46013,7 +45982,7 @@
               <a:effectLst/>
               <a:extLst>
                 <a:ext uri="{C572A759-6A51-4108-AA02-DFA0A04FC94B}">
-                  <ma14:wrappingTextBoxFlag xmlns:ma14="http://schemas.microsoft.com/office/mac/drawingml/2011/main" xmlns="" val="1"/>
+                  <ma14:wrappingTextBoxFlag xmlns="" xmlns:ma14="http://schemas.microsoft.com/office/mac/drawingml/2011/main" val="1"/>
                 </a:ext>
               </a:extLst>
             </p:spPr>
@@ -46108,7 +46077,7 @@
               <a:effectLst/>
               <a:extLst>
                 <a:ext uri="{C572A759-6A51-4108-AA02-DFA0A04FC94B}">
-                  <ma14:wrappingTextBoxFlag xmlns:ma14="http://schemas.microsoft.com/office/mac/drawingml/2011/main" xmlns="" val="1"/>
+                  <ma14:wrappingTextBoxFlag xmlns="" xmlns:ma14="http://schemas.microsoft.com/office/mac/drawingml/2011/main" val="1"/>
                 </a:ext>
               </a:extLst>
             </p:spPr>
@@ -46202,7 +46171,7 @@
               <a:effectLst/>
               <a:extLst>
                 <a:ext uri="{C572A759-6A51-4108-AA02-DFA0A04FC94B}">
-                  <ma14:wrappingTextBoxFlag xmlns:ma14="http://schemas.microsoft.com/office/mac/drawingml/2011/main" xmlns="" val="1"/>
+                  <ma14:wrappingTextBoxFlag xmlns="" xmlns:ma14="http://schemas.microsoft.com/office/mac/drawingml/2011/main" val="1"/>
                 </a:ext>
               </a:extLst>
             </p:spPr>
@@ -46336,7 +46305,7 @@
             </a:ln>
             <a:extLst>
               <a:ext uri="{C572A759-6A51-4108-AA02-DFA0A04FC94B}">
-                <ma14:wrappingTextBoxFlag xmlns:ma14="http://schemas.microsoft.com/office/mac/drawingml/2011/main" xmlns="" val="1"/>
+                <ma14:wrappingTextBoxFlag xmlns="" xmlns:ma14="http://schemas.microsoft.com/office/mac/drawingml/2011/main" val="1"/>
               </a:ext>
             </a:extLst>
           </p:spPr>
@@ -46442,7 +46411,7 @@
               <a:effectLst/>
               <a:extLst>
                 <a:ext uri="{C572A759-6A51-4108-AA02-DFA0A04FC94B}">
-                  <ma14:wrappingTextBoxFlag xmlns:ma14="http://schemas.microsoft.com/office/mac/drawingml/2011/main" xmlns="" val="1"/>
+                  <ma14:wrappingTextBoxFlag xmlns="" xmlns:ma14="http://schemas.microsoft.com/office/mac/drawingml/2011/main" val="1"/>
                 </a:ext>
               </a:extLst>
             </p:spPr>
@@ -47852,7 +47821,7 @@
               <a:effectLst/>
               <a:extLst>
                 <a:ext uri="{C572A759-6A51-4108-AA02-DFA0A04FC94B}">
-                  <ma14:wrappingTextBoxFlag xmlns:ma14="http://schemas.microsoft.com/office/mac/drawingml/2011/main" xmlns="" val="1"/>
+                  <ma14:wrappingTextBoxFlag xmlns="" xmlns:ma14="http://schemas.microsoft.com/office/mac/drawingml/2011/main" val="1"/>
                 </a:ext>
               </a:extLst>
             </p:spPr>
@@ -47966,7 +47935,7 @@
               <a:effectLst/>
               <a:extLst>
                 <a:ext uri="{C572A759-6A51-4108-AA02-DFA0A04FC94B}">
-                  <ma14:wrappingTextBoxFlag xmlns:ma14="http://schemas.microsoft.com/office/mac/drawingml/2011/main" xmlns="" val="1"/>
+                  <ma14:wrappingTextBoxFlag xmlns="" xmlns:ma14="http://schemas.microsoft.com/office/mac/drawingml/2011/main" val="1"/>
                 </a:ext>
               </a:extLst>
             </p:spPr>
@@ -48056,7 +48025,7 @@
             </a:ln>
             <a:extLst>
               <a:ext uri="{C572A759-6A51-4108-AA02-DFA0A04FC94B}">
-                <ma14:wrappingTextBoxFlag xmlns:ma14="http://schemas.microsoft.com/office/mac/drawingml/2011/main" xmlns="" val="1"/>
+                <ma14:wrappingTextBoxFlag xmlns="" xmlns:ma14="http://schemas.microsoft.com/office/mac/drawingml/2011/main" val="1"/>
               </a:ext>
             </a:extLst>
           </p:spPr>
@@ -48170,7 +48139,7 @@
               <a:effectLst/>
               <a:extLst>
                 <a:ext uri="{C572A759-6A51-4108-AA02-DFA0A04FC94B}">
-                  <ma14:wrappingTextBoxFlag xmlns:ma14="http://schemas.microsoft.com/office/mac/drawingml/2011/main" xmlns="" val="1"/>
+                  <ma14:wrappingTextBoxFlag xmlns="" xmlns:ma14="http://schemas.microsoft.com/office/mac/drawingml/2011/main" val="1"/>
                 </a:ext>
               </a:extLst>
             </p:spPr>
@@ -48260,7 +48229,7 @@
             </a:ln>
             <a:extLst>
               <a:ext uri="{C572A759-6A51-4108-AA02-DFA0A04FC94B}">
-                <ma14:wrappingTextBoxFlag xmlns:ma14="http://schemas.microsoft.com/office/mac/drawingml/2011/main" xmlns="" val="1"/>
+                <ma14:wrappingTextBoxFlag xmlns="" xmlns:ma14="http://schemas.microsoft.com/office/mac/drawingml/2011/main" val="1"/>
               </a:ext>
             </a:extLst>
           </p:spPr>
@@ -48376,7 +48345,7 @@
               <a:effectLst/>
               <a:extLst>
                 <a:ext uri="{C572A759-6A51-4108-AA02-DFA0A04FC94B}">
-                  <ma14:wrappingTextBoxFlag xmlns:ma14="http://schemas.microsoft.com/office/mac/drawingml/2011/main" xmlns="" val="1"/>
+                  <ma14:wrappingTextBoxFlag xmlns="" xmlns:ma14="http://schemas.microsoft.com/office/mac/drawingml/2011/main" val="1"/>
                 </a:ext>
               </a:extLst>
             </p:spPr>
@@ -48493,7 +48462,7 @@
               <a:effectLst/>
               <a:extLst>
                 <a:ext uri="{C572A759-6A51-4108-AA02-DFA0A04FC94B}">
-                  <ma14:wrappingTextBoxFlag xmlns:ma14="http://schemas.microsoft.com/office/mac/drawingml/2011/main" xmlns="" val="1"/>
+                  <ma14:wrappingTextBoxFlag xmlns="" xmlns:ma14="http://schemas.microsoft.com/office/mac/drawingml/2011/main" val="1"/>
                 </a:ext>
               </a:extLst>
             </p:spPr>
@@ -48610,7 +48579,7 @@
               <a:effectLst/>
               <a:extLst>
                 <a:ext uri="{C572A759-6A51-4108-AA02-DFA0A04FC94B}">
-                  <ma14:wrappingTextBoxFlag xmlns:ma14="http://schemas.microsoft.com/office/mac/drawingml/2011/main" xmlns="" val="1"/>
+                  <ma14:wrappingTextBoxFlag xmlns="" xmlns:ma14="http://schemas.microsoft.com/office/mac/drawingml/2011/main" val="1"/>
                 </a:ext>
               </a:extLst>
             </p:spPr>
@@ -48725,7 +48694,7 @@
               <a:effectLst/>
               <a:extLst>
                 <a:ext uri="{C572A759-6A51-4108-AA02-DFA0A04FC94B}">
-                  <ma14:wrappingTextBoxFlag xmlns:ma14="http://schemas.microsoft.com/office/mac/drawingml/2011/main" xmlns="" val="1"/>
+                  <ma14:wrappingTextBoxFlag xmlns="" xmlns:ma14="http://schemas.microsoft.com/office/mac/drawingml/2011/main" val="1"/>
                 </a:ext>
               </a:extLst>
             </p:spPr>
@@ -48864,7 +48833,7 @@
               <a:effectLst/>
               <a:extLst>
                 <a:ext uri="{C572A759-6A51-4108-AA02-DFA0A04FC94B}">
-                  <ma14:wrappingTextBoxFlag xmlns:ma14="http://schemas.microsoft.com/office/mac/drawingml/2011/main" xmlns="" val="1"/>
+                  <ma14:wrappingTextBoxFlag xmlns="" xmlns:ma14="http://schemas.microsoft.com/office/mac/drawingml/2011/main" val="1"/>
                 </a:ext>
               </a:extLst>
             </p:spPr>
@@ -48963,7 +48932,7 @@
               <a:effectLst/>
               <a:extLst>
                 <a:ext uri="{C572A759-6A51-4108-AA02-DFA0A04FC94B}">
-                  <ma14:wrappingTextBoxFlag xmlns:ma14="http://schemas.microsoft.com/office/mac/drawingml/2011/main" xmlns="" val="1"/>
+                  <ma14:wrappingTextBoxFlag xmlns="" xmlns:ma14="http://schemas.microsoft.com/office/mac/drawingml/2011/main" val="1"/>
                 </a:ext>
               </a:extLst>
             </p:spPr>
@@ -49062,7 +49031,7 @@
               <a:effectLst/>
               <a:extLst>
                 <a:ext uri="{C572A759-6A51-4108-AA02-DFA0A04FC94B}">
-                  <ma14:wrappingTextBoxFlag xmlns:ma14="http://schemas.microsoft.com/office/mac/drawingml/2011/main" xmlns="" val="1"/>
+                  <ma14:wrappingTextBoxFlag xmlns="" xmlns:ma14="http://schemas.microsoft.com/office/mac/drawingml/2011/main" val="1"/>
                 </a:ext>
               </a:extLst>
             </p:spPr>
@@ -49161,7 +49130,7 @@
               <a:effectLst/>
               <a:extLst>
                 <a:ext uri="{C572A759-6A51-4108-AA02-DFA0A04FC94B}">
-                  <ma14:wrappingTextBoxFlag xmlns:ma14="http://schemas.microsoft.com/office/mac/drawingml/2011/main" xmlns="" val="1"/>
+                  <ma14:wrappingTextBoxFlag xmlns="" xmlns:ma14="http://schemas.microsoft.com/office/mac/drawingml/2011/main" val="1"/>
                 </a:ext>
               </a:extLst>
             </p:spPr>
@@ -49473,7 +49442,7 @@
             </a:ln>
             <a:extLst>
               <a:ext uri="{C572A759-6A51-4108-AA02-DFA0A04FC94B}">
-                <ma14:wrappingTextBoxFlag xmlns:ma14="http://schemas.microsoft.com/office/mac/drawingml/2011/main" xmlns="" val="1"/>
+                <ma14:wrappingTextBoxFlag xmlns="" xmlns:ma14="http://schemas.microsoft.com/office/mac/drawingml/2011/main" val="1"/>
               </a:ext>
             </a:extLst>
           </p:spPr>
@@ -49587,7 +49556,7 @@
               <a:effectLst/>
               <a:extLst>
                 <a:ext uri="{C572A759-6A51-4108-AA02-DFA0A04FC94B}">
-                  <ma14:wrappingTextBoxFlag xmlns:ma14="http://schemas.microsoft.com/office/mac/drawingml/2011/main" xmlns="" val="1"/>
+                  <ma14:wrappingTextBoxFlag xmlns="" xmlns:ma14="http://schemas.microsoft.com/office/mac/drawingml/2011/main" val="1"/>
                 </a:ext>
               </a:extLst>
             </p:spPr>
@@ -49681,7 +49650,7 @@
               <a:effectLst/>
               <a:extLst>
                 <a:ext uri="{C572A759-6A51-4108-AA02-DFA0A04FC94B}">
-                  <ma14:wrappingTextBoxFlag xmlns:ma14="http://schemas.microsoft.com/office/mac/drawingml/2011/main" xmlns="" val="1"/>
+                  <ma14:wrappingTextBoxFlag xmlns="" xmlns:ma14="http://schemas.microsoft.com/office/mac/drawingml/2011/main" val="1"/>
                 </a:ext>
               </a:extLst>
             </p:spPr>
@@ -49778,7 +49747,7 @@
               <a:effectLst/>
               <a:extLst>
                 <a:ext uri="{C572A759-6A51-4108-AA02-DFA0A04FC94B}">
-                  <ma14:wrappingTextBoxFlag xmlns:ma14="http://schemas.microsoft.com/office/mac/drawingml/2011/main" xmlns="" val="1"/>
+                  <ma14:wrappingTextBoxFlag xmlns="" xmlns:ma14="http://schemas.microsoft.com/office/mac/drawingml/2011/main" val="1"/>
                 </a:ext>
               </a:extLst>
             </p:spPr>
@@ -49873,7 +49842,7 @@
               <a:effectLst/>
               <a:extLst>
                 <a:ext uri="{C572A759-6A51-4108-AA02-DFA0A04FC94B}">
-                  <ma14:wrappingTextBoxFlag xmlns:ma14="http://schemas.microsoft.com/office/mac/drawingml/2011/main" xmlns="" val="1"/>
+                  <ma14:wrappingTextBoxFlag xmlns="" xmlns:ma14="http://schemas.microsoft.com/office/mac/drawingml/2011/main" val="1"/>
                 </a:ext>
               </a:extLst>
             </p:spPr>
@@ -49968,7 +49937,7 @@
               <a:effectLst/>
               <a:extLst>
                 <a:ext uri="{C572A759-6A51-4108-AA02-DFA0A04FC94B}">
-                  <ma14:wrappingTextBoxFlag xmlns:ma14="http://schemas.microsoft.com/office/mac/drawingml/2011/main" xmlns="" val="1"/>
+                  <ma14:wrappingTextBoxFlag xmlns="" xmlns:ma14="http://schemas.microsoft.com/office/mac/drawingml/2011/main" val="1"/>
                 </a:ext>
               </a:extLst>
             </p:spPr>
@@ -50105,7 +50074,7 @@
             </a:ln>
             <a:extLst>
               <a:ext uri="{C572A759-6A51-4108-AA02-DFA0A04FC94B}">
-                <ma14:wrappingTextBoxFlag xmlns:ma14="http://schemas.microsoft.com/office/mac/drawingml/2011/main" xmlns="" val="1"/>
+                <ma14:wrappingTextBoxFlag xmlns="" xmlns:ma14="http://schemas.microsoft.com/office/mac/drawingml/2011/main" val="1"/>
               </a:ext>
             </a:extLst>
           </p:spPr>
@@ -50222,7 +50191,7 @@
               <a:effectLst/>
               <a:extLst>
                 <a:ext uri="{C572A759-6A51-4108-AA02-DFA0A04FC94B}">
-                  <ma14:wrappingTextBoxFlag xmlns:ma14="http://schemas.microsoft.com/office/mac/drawingml/2011/main" xmlns="" val="1"/>
+                  <ma14:wrappingTextBoxFlag xmlns="" xmlns:ma14="http://schemas.microsoft.com/office/mac/drawingml/2011/main" val="1"/>
                 </a:ext>
               </a:extLst>
             </p:spPr>
@@ -53116,7 +53085,19 @@
               <a:rPr lang="en-US" sz="3200" dirty="0">
                 <a:hlinkClick r:id="rId2"/>
               </a:rPr>
-              <a:t>CSV Store Using Configuration File</a:t>
+              <a:t>CSV Store </a:t>
+            </a:r>
+            <a:r>
+              <a:rPr lang="en-US" sz="3200" dirty="0">
+                <a:hlinkClick r:id="rId3"/>
+              </a:rPr>
+              <a:t>Using</a:t>
+            </a:r>
+            <a:r>
+              <a:rPr lang="en-US" sz="3200" dirty="0">
+                <a:hlinkClick r:id="rId2"/>
+              </a:rPr>
+              <a:t> Configuration File</a:t>
             </a:r>
             <a:r>
               <a:rPr lang="en-US" sz="3200" dirty="0"/>
